--- a/images/experiments/money.pptx
+++ b/images/experiments/money.pptx
@@ -3358,7 +3358,7 @@
           <a:p>
             <a:fld id="{5B15DD13-963A-5F46-82C4-D335A0D7E61E}" type="datetimeFigureOut">
               <a:rPr lang="en-US" smtClean="0"/>
-              <a:t>6/20/22</a:t>
+              <a:t>6/19/23</a:t>
             </a:fld>
             <a:endParaRPr lang="en-US"/>
           </a:p>
@@ -3528,7 +3528,7 @@
           <a:p>
             <a:fld id="{5B15DD13-963A-5F46-82C4-D335A0D7E61E}" type="datetimeFigureOut">
               <a:rPr lang="en-US" smtClean="0"/>
-              <a:t>6/20/22</a:t>
+              <a:t>6/19/23</a:t>
             </a:fld>
             <a:endParaRPr lang="en-US"/>
           </a:p>
@@ -3708,7 +3708,7 @@
           <a:p>
             <a:fld id="{5B15DD13-963A-5F46-82C4-D335A0D7E61E}" type="datetimeFigureOut">
               <a:rPr lang="en-US" smtClean="0"/>
-              <a:t>6/20/22</a:t>
+              <a:t>6/19/23</a:t>
             </a:fld>
             <a:endParaRPr lang="en-US"/>
           </a:p>
@@ -3878,7 +3878,7 @@
           <a:p>
             <a:fld id="{5B15DD13-963A-5F46-82C4-D335A0D7E61E}" type="datetimeFigureOut">
               <a:rPr lang="en-US" smtClean="0"/>
-              <a:t>6/20/22</a:t>
+              <a:t>6/19/23</a:t>
             </a:fld>
             <a:endParaRPr lang="en-US"/>
           </a:p>
@@ -4122,7 +4122,7 @@
           <a:p>
             <a:fld id="{5B15DD13-963A-5F46-82C4-D335A0D7E61E}" type="datetimeFigureOut">
               <a:rPr lang="en-US" smtClean="0"/>
-              <a:t>6/20/22</a:t>
+              <a:t>6/19/23</a:t>
             </a:fld>
             <a:endParaRPr lang="en-US"/>
           </a:p>
@@ -4354,7 +4354,7 @@
           <a:p>
             <a:fld id="{5B15DD13-963A-5F46-82C4-D335A0D7E61E}" type="datetimeFigureOut">
               <a:rPr lang="en-US" smtClean="0"/>
-              <a:t>6/20/22</a:t>
+              <a:t>6/19/23</a:t>
             </a:fld>
             <a:endParaRPr lang="en-US"/>
           </a:p>
@@ -4721,7 +4721,7 @@
           <a:p>
             <a:fld id="{5B15DD13-963A-5F46-82C4-D335A0D7E61E}" type="datetimeFigureOut">
               <a:rPr lang="en-US" smtClean="0"/>
-              <a:t>6/20/22</a:t>
+              <a:t>6/19/23</a:t>
             </a:fld>
             <a:endParaRPr lang="en-US"/>
           </a:p>
@@ -4839,7 +4839,7 @@
           <a:p>
             <a:fld id="{5B15DD13-963A-5F46-82C4-D335A0D7E61E}" type="datetimeFigureOut">
               <a:rPr lang="en-US" smtClean="0"/>
-              <a:t>6/20/22</a:t>
+              <a:t>6/19/23</a:t>
             </a:fld>
             <a:endParaRPr lang="en-US"/>
           </a:p>
@@ -4934,7 +4934,7 @@
           <a:p>
             <a:fld id="{5B15DD13-963A-5F46-82C4-D335A0D7E61E}" type="datetimeFigureOut">
               <a:rPr lang="en-US" smtClean="0"/>
-              <a:t>6/20/22</a:t>
+              <a:t>6/19/23</a:t>
             </a:fld>
             <a:endParaRPr lang="en-US"/>
           </a:p>
@@ -5211,7 +5211,7 @@
           <a:p>
             <a:fld id="{5B15DD13-963A-5F46-82C4-D335A0D7E61E}" type="datetimeFigureOut">
               <a:rPr lang="en-US" smtClean="0"/>
-              <a:t>6/20/22</a:t>
+              <a:t>6/19/23</a:t>
             </a:fld>
             <a:endParaRPr lang="en-US"/>
           </a:p>
@@ -5468,7 +5468,7 @@
           <a:p>
             <a:fld id="{5B15DD13-963A-5F46-82C4-D335A0D7E61E}" type="datetimeFigureOut">
               <a:rPr lang="en-US" smtClean="0"/>
-              <a:t>6/20/22</a:t>
+              <a:t>6/19/23</a:t>
             </a:fld>
             <a:endParaRPr lang="en-US"/>
           </a:p>
@@ -5681,7 +5681,7 @@
           <a:p>
             <a:fld id="{5B15DD13-963A-5F46-82C4-D335A0D7E61E}" type="datetimeFigureOut">
               <a:rPr lang="en-US" smtClean="0"/>
-              <a:t>6/20/22</a:t>
+              <a:t>6/19/23</a:t>
             </a:fld>
             <a:endParaRPr lang="en-US"/>
           </a:p>
@@ -11737,7 +11737,7 @@
         <p:spPr>
           <a:xfrm>
             <a:off x="6424440" y="3558169"/>
-            <a:ext cx="2149608" cy="1569660"/>
+            <a:ext cx="2149608" cy="1938992"/>
           </a:xfrm>
           <a:prstGeom prst="rect">
             <a:avLst/>
@@ -11767,7 +11767,7 @@
               <a:rPr lang="en-US" sz="2400" dirty="0">
                 <a:latin typeface="Times" pitchFamily="2" charset="0"/>
               </a:rPr>
-              <a:t>unknown confounds</a:t>
+              <a:t>confounds, known and unknown</a:t>
             </a:r>
           </a:p>
         </p:txBody>

--- a/images/experiments/money.pptx
+++ b/images/experiments/money.pptx
@@ -434,14 +434,14 @@
           <inkml:channelProperty channel="F" name="resolution" value="0" units="1/dev"/>
         </inkml:channelProperties>
       </inkml:inkSource>
-      <inkml:timestamp xml:id="ts0" timeString="2022-06-20T17:01:16.247"/>
+      <inkml:timestamp xml:id="ts0" timeString="2022-06-20T17:01:31.521"/>
     </inkml:context>
     <inkml:brush xml:id="br0">
       <inkml:brushProperty name="width" value="0.1" units="cm"/>
       <inkml:brushProperty name="height" value="0.1" units="cm"/>
     </inkml:brush>
   </inkml:definitions>
-  <inkml:trace contextRef="#ctx0" brushRef="#br0">1 0 24575,'28'29'0,"9"-3"0,18 26 0,-18-25 0,25 36 0,-12-2-1067,9 9 1067,-18-20 0,-1 0 0,9 18 0,-15-24 0,0 1 0,23 31 0,-21-31 0,0 0 0,23 23 0,-21-24 0,0-1 0,9 12 261,18 10-261,-21-22 0,-10-2 0,-6-17 0,-11-3 0,4-7 806,0 1-806,-6-2 0,6-4 0,0 3 0,-5-4 0,5 0 0,-8 5 0,1-12 0,0 11 0,-1-4 0,1-1 0,0-1 0,-1-6 0,-5 7 0,4-6 0,-5 11 0,14-4 0,-5 6 0,12 1 0,-5 0 0,7 0 0,-7-1 0,5 1 0,-11 6 0,4-4 0,0 4 0,2 0 0,0-4 0,6 4 0,-13 1 0,12-6 0,-4 13 0,-1-6 0,6 8 0,-12-1 0,5 0 0,-1 0 0,-4-7 0,4 6 0,-7-14 0,1 14 0,-1-14 0,0 6 0,0-7 0,-1-1 0,1 1 0,-6 0 0,4-1 0,-11 1 0,11-6 0,-10 3 0,10-9 0,-11 10 0,11-5 0,-5 7 0,7 0 0,-6-1 0,4 1 0,-5 0 0,7-1 0,-6 1 0,4-6 0,-11 4 0,11-11 0,-5 5 0,5-6 0,-5 6 0,5-5 0,-5 11 0,6-5 0,-1 5 0,1 1 0,-6-11 0,-1-4 0,-6-17 0,0 5 0,0-14 0,0 6 0,0-9 0,0 1 0,0-9 0,0 7 0,0-7 0,0 0 0,0 6 0,0 2 0,0 3 0,0 12 0,0-5 0,0 8 0,0 0 0,0-6 0,0 5 0,0-13 0,0 4 0,0 1 0,0-7 0,0 14 0,0-6 0,0 0 0,0-2 0,0 0 0,0-6 0,0 14 0,0-6 0,0 7 0,0 1 0,0-1 0,0 1 0,0 1 0,0-1 0,6 5 0,-5-3 0,5 4 0,-6-6 0,0 0 0,0-1 0,0 0 0,7-5 0,0 3 0,1-11 0,-2 12 0,0-6 0,-5 7 0,6 1 0,-2 6 0,-4 2 0,5 5 0</inkml:trace>
+  <inkml:trace contextRef="#ctx0" brushRef="#br0">1 402 24575,'59'0'0,"14"0"0,14 0-1312,-27 0 1,4 0 1311,-1 0 0,4 0-768,18 0 0,3 0 768,-10 0 0,5 0 0,0 0 0,7 0 0,-6 0 0,6 0 0,-1 0-399,-9 0 1,4 0 0,-5 0 398,1 0 0,-3 0 0,1 0 0,1 0-730,7 0 1,1 0 729,-5 0 0,-3 0 19,-11 0 1,-1 0-20,8 0 0,-2 0 0,-20 0 0,-1 0 0,18 0 0,0 0 0,-5 0 0,-4 0 0,-9 0 0,-1 0 1468,45 0-1468,-34 0 0,-2-7 2155,-13 5-2155,-14-5 1850,-6 7-1850,-13 0 1301,-1 0-1301,8 0 0,2-7 0,16 5 0,-7-4 0,16 6 0,-15-7 0,5 5 0,-7-4 0,-8 6 0,-2 0 0,-8 0 0,1 0 0,0 0 0,7-7 0,1 5 0,50-13 0,-13 13 0,25-13 0,-14 13 0,-18-5 0,7-1 0,1 7 0,-17-7 0,15 8 0,-26 0 0,16 0 0,-16 0 0,16 0 0,-7 0 0,9 0 0,-9 0 0,6 0 0,-14 0 0,-2 0 0,-2 0 0,-14 0 0,6 0 0,-7 0 0,-1 0 0,1 0 0,-1 0 0,8 0 0,2 0 0,16 0 0,2 0 0,0 0 0,-2 0 0,-9 0 0,0 0 0,-7 0 0,-2 0 0,-7 0 0,-1 0 0,1 0 0,15 0 0,5 0 0,16 0 0,-1 0 0,1 0 0,0 0 0,0 0 0,-9 0 0,-2 0 0,-16 0 0,-2 0 0,-8 0 0,1 0 0,0 0 0,7 0 0,2 0 0,7 0 0,0 0 0,0 0 0,1 0 0,-9 0 0,-1 0 0,-7 0 0,0 6 0,-1-4 0,0 4 0,0-6 0,0 0 0,0 0 0,1 0 0,0 0 0,-1 6 0,1-4 0,-6 9 0,-2-15 0,-6 3 0,-6-12 0,-2 0 0,-6-1 0,-7 0 0,-1-1 0,-2-7 0,-5 6 0,6-13 0,-1 6 0,3 0 0,0 1 0,5 8 0,1 0 0,3 0 0,5 7 0,0-5 0,-10 11 0,8-5 0,-10-8 0,5 11 0,0-10 0,0 13 0,7-7 0,-5 6 0,16-5 0,3 6 0,7 0 0,6 0 0,-7 6 0,1 1 0,0 7 0,-1 0 0,8 0 0,-5 0 0,5 0 0,-8 0 0,1 0 0,7 0 0,-5 0 0,5 0 0,-8 0 0,1-1 0,7 2 0,-6-2 0,7 2 0,-9-2 0,1 1 0,-1 0 0,-5-1 0,4-5 0,-5 4 0,6-5 0,0 0 0,-6 4 0,5-9 0,-5 4 0,0 0 0,-7 0 0,-1 7 0,-11 0 0,5 1 0,-7 0 0,1-1 0,-8 2 0,-2-1 0,-8 8 0,1 2 0,-9 0 0,7 4 0,-7-3 0,0 6 0,7-7 0,-16 7 0,16-7 0,-7 1 0,15 3 0,-5-4 0,6 0 0,-1 4 0,3-4 0,-1-1 0,12-2 0,-10-6 0,19-2 0,-12 1 0,12-1 0,-11-5 0,11-2 0,-4-6 0</inkml:trace>
 </inkml:ink>
 </file>
 
@@ -488,60 +488,6 @@
           <inkml:channelProperty channel="F" name="resolution" value="0" units="1/dev"/>
         </inkml:channelProperties>
       </inkml:inkSource>
-      <inkml:timestamp xml:id="ts0" timeString="2022-06-20T17:01:16.248"/>
-    </inkml:context>
-    <inkml:brush xml:id="br0">
-      <inkml:brushProperty name="width" value="0.1" units="cm"/>
-      <inkml:brushProperty name="height" value="0.1" units="cm"/>
-    </inkml:brush>
-  </inkml:definitions>
-  <inkml:trace contextRef="#ctx0" brushRef="#br0">1119 1 24575,'-20'0'0,"-2"0"0,-17 0 0,-2 0 0,-9 0 0,-10 0 0,-13 0 0,-2 0 0,-9 0 0,22 0 0,-19 0 0,34 0 0,-21 0 0,35 0 0,-6 0 0,17 0 0,-6 0 0,14 0 0,-5 0 0,6 0 0,0 0 0,-8 0 0,5 0 0,-12 0 0,5 0 0,0 0 0,-5 0 0,12 0 0,-5 0 0,7 6 0,1-5 0,6 5 0,1-6 0</inkml:trace>
-</inkml:ink>
-</file>
-
-<file path=ppt/ink/ink111.xml><?xml version="1.0" encoding="utf-8"?>
-<inkml:ink xmlns:inkml="http://www.w3.org/2003/InkML">
-  <inkml:definitions>
-    <inkml:context xml:id="ctx0">
-      <inkml:inkSource xml:id="inkSrc0">
-        <inkml:traceFormat>
-          <inkml:channel name="X" type="integer" min="-2.14748E9" max="2.14748E9" units="cm"/>
-          <inkml:channel name="Y" type="integer" min="-2.14748E9" max="2.14748E9" units="cm"/>
-          <inkml:channel name="F" type="integer" max="32767" units="dev"/>
-        </inkml:traceFormat>
-        <inkml:channelProperties>
-          <inkml:channelProperty channel="X" name="resolution" value="1000" units="1/cm"/>
-          <inkml:channelProperty channel="Y" name="resolution" value="1000" units="1/cm"/>
-          <inkml:channelProperty channel="F" name="resolution" value="0" units="1/dev"/>
-        </inkml:channelProperties>
-      </inkml:inkSource>
-      <inkml:timestamp xml:id="ts0" timeString="2022-06-20T17:01:31.521"/>
-    </inkml:context>
-    <inkml:brush xml:id="br0">
-      <inkml:brushProperty name="width" value="0.1" units="cm"/>
-      <inkml:brushProperty name="height" value="0.1" units="cm"/>
-    </inkml:brush>
-  </inkml:definitions>
-  <inkml:trace contextRef="#ctx0" brushRef="#br0">1 402 24575,'59'0'0,"14"0"0,14 0-1312,-27 0 1,4 0 1311,-1 0 0,4 0-768,18 0 0,3 0 768,-10 0 0,5 0 0,0 0 0,7 0 0,-6 0 0,6 0 0,-1 0-399,-9 0 1,4 0 0,-5 0 398,1 0 0,-3 0 0,1 0 0,1 0-730,7 0 1,1 0 729,-5 0 0,-3 0 19,-11 0 1,-1 0-20,8 0 0,-2 0 0,-20 0 0,-1 0 0,18 0 0,0 0 0,-5 0 0,-4 0 0,-9 0 0,-1 0 1468,45 0-1468,-34 0 0,-2-7 2155,-13 5-2155,-14-5 1850,-6 7-1850,-13 0 1301,-1 0-1301,8 0 0,2-7 0,16 5 0,-7-4 0,16 6 0,-15-7 0,5 5 0,-7-4 0,-8 6 0,-2 0 0,-8 0 0,1 0 0,0 0 0,7-7 0,1 5 0,50-13 0,-13 13 0,25-13 0,-14 13 0,-18-5 0,7-1 0,1 7 0,-17-7 0,15 8 0,-26 0 0,16 0 0,-16 0 0,16 0 0,-7 0 0,9 0 0,-9 0 0,6 0 0,-14 0 0,-2 0 0,-2 0 0,-14 0 0,6 0 0,-7 0 0,-1 0 0,1 0 0,-1 0 0,8 0 0,2 0 0,16 0 0,2 0 0,0 0 0,-2 0 0,-9 0 0,0 0 0,-7 0 0,-2 0 0,-7 0 0,-1 0 0,1 0 0,15 0 0,5 0 0,16 0 0,-1 0 0,1 0 0,0 0 0,0 0 0,-9 0 0,-2 0 0,-16 0 0,-2 0 0,-8 0 0,1 0 0,0 0 0,7 0 0,2 0 0,7 0 0,0 0 0,0 0 0,1 0 0,-9 0 0,-1 0 0,-7 0 0,0 6 0,-1-4 0,0 4 0,0-6 0,0 0 0,0 0 0,1 0 0,0 0 0,-1 6 0,1-4 0,-6 9 0,-2-15 0,-6 3 0,-6-12 0,-2 0 0,-6-1 0,-7 0 0,-1-1 0,-2-7 0,-5 6 0,6-13 0,-1 6 0,3 0 0,0 1 0,5 8 0,1 0 0,3 0 0,5 7 0,0-5 0,-10 11 0,8-5 0,-10-8 0,5 11 0,0-10 0,0 13 0,7-7 0,-5 6 0,16-5 0,3 6 0,7 0 0,6 0 0,-7 6 0,1 1 0,0 7 0,-1 0 0,8 0 0,-5 0 0,5 0 0,-8 0 0,1 0 0,7 0 0,-5 0 0,5 0 0,-8 0 0,1-1 0,7 2 0,-6-2 0,7 2 0,-9-2 0,1 1 0,-1 0 0,-5-1 0,4-5 0,-5 4 0,6-5 0,0 0 0,-6 4 0,5-9 0,-5 4 0,0 0 0,-7 0 0,-1 7 0,-11 0 0,5 1 0,-7 0 0,1-1 0,-8 2 0,-2-1 0,-8 8 0,1 2 0,-9 0 0,7 4 0,-7-3 0,0 6 0,7-7 0,-16 7 0,16-7 0,-7 1 0,15 3 0,-5-4 0,6 0 0,-1 4 0,3-4 0,-1-1 0,12-2 0,-10-6 0,19-2 0,-12 1 0,12-1 0,-11-5 0,11-2 0,-4-6 0</inkml:trace>
-</inkml:ink>
-</file>
-
-<file path=ppt/ink/ink112.xml><?xml version="1.0" encoding="utf-8"?>
-<inkml:ink xmlns:inkml="http://www.w3.org/2003/InkML">
-  <inkml:definitions>
-    <inkml:context xml:id="ctx0">
-      <inkml:inkSource xml:id="inkSrc0">
-        <inkml:traceFormat>
-          <inkml:channel name="X" type="integer" min="-2.14748E9" max="2.14748E9" units="cm"/>
-          <inkml:channel name="Y" type="integer" min="-2.14748E9" max="2.14748E9" units="cm"/>
-          <inkml:channel name="F" type="integer" max="32767" units="dev"/>
-        </inkml:traceFormat>
-        <inkml:channelProperties>
-          <inkml:channelProperty channel="X" name="resolution" value="1000" units="1/cm"/>
-          <inkml:channelProperty channel="Y" name="resolution" value="1000" units="1/cm"/>
-          <inkml:channelProperty channel="F" name="resolution" value="0" units="1/dev"/>
-        </inkml:channelProperties>
-      </inkml:inkSource>
       <inkml:timestamp xml:id="ts0" timeString="2022-06-20T17:34:34.037"/>
     </inkml:context>
     <inkml:brush xml:id="br0">
@@ -553,7 +499,7 @@
 </inkml:ink>
 </file>
 
-<file path=ppt/ink/ink113.xml><?xml version="1.0" encoding="utf-8"?>
+<file path=ppt/ink/ink111.xml><?xml version="1.0" encoding="utf-8"?>
 <inkml:ink xmlns:inkml="http://www.w3.org/2003/InkML">
   <inkml:definitions>
     <inkml:context xml:id="ctx0">
@@ -3358,7 +3304,7 @@
           <a:p>
             <a:fld id="{5B15DD13-963A-5F46-82C4-D335A0D7E61E}" type="datetimeFigureOut">
               <a:rPr lang="en-US" smtClean="0"/>
-              <a:t>6/19/23</a:t>
+              <a:t>9/18/23</a:t>
             </a:fld>
             <a:endParaRPr lang="en-US"/>
           </a:p>
@@ -3528,7 +3474,7 @@
           <a:p>
             <a:fld id="{5B15DD13-963A-5F46-82C4-D335A0D7E61E}" type="datetimeFigureOut">
               <a:rPr lang="en-US" smtClean="0"/>
-              <a:t>6/19/23</a:t>
+              <a:t>9/18/23</a:t>
             </a:fld>
             <a:endParaRPr lang="en-US"/>
           </a:p>
@@ -3708,7 +3654,7 @@
           <a:p>
             <a:fld id="{5B15DD13-963A-5F46-82C4-D335A0D7E61E}" type="datetimeFigureOut">
               <a:rPr lang="en-US" smtClean="0"/>
-              <a:t>6/19/23</a:t>
+              <a:t>9/18/23</a:t>
             </a:fld>
             <a:endParaRPr lang="en-US"/>
           </a:p>
@@ -3878,7 +3824,7 @@
           <a:p>
             <a:fld id="{5B15DD13-963A-5F46-82C4-D335A0D7E61E}" type="datetimeFigureOut">
               <a:rPr lang="en-US" smtClean="0"/>
-              <a:t>6/19/23</a:t>
+              <a:t>9/18/23</a:t>
             </a:fld>
             <a:endParaRPr lang="en-US"/>
           </a:p>
@@ -4122,7 +4068,7 @@
           <a:p>
             <a:fld id="{5B15DD13-963A-5F46-82C4-D335A0D7E61E}" type="datetimeFigureOut">
               <a:rPr lang="en-US" smtClean="0"/>
-              <a:t>6/19/23</a:t>
+              <a:t>9/18/23</a:t>
             </a:fld>
             <a:endParaRPr lang="en-US"/>
           </a:p>
@@ -4354,7 +4300,7 @@
           <a:p>
             <a:fld id="{5B15DD13-963A-5F46-82C4-D335A0D7E61E}" type="datetimeFigureOut">
               <a:rPr lang="en-US" smtClean="0"/>
-              <a:t>6/19/23</a:t>
+              <a:t>9/18/23</a:t>
             </a:fld>
             <a:endParaRPr lang="en-US"/>
           </a:p>
@@ -4721,7 +4667,7 @@
           <a:p>
             <a:fld id="{5B15DD13-963A-5F46-82C4-D335A0D7E61E}" type="datetimeFigureOut">
               <a:rPr lang="en-US" smtClean="0"/>
-              <a:t>6/19/23</a:t>
+              <a:t>9/18/23</a:t>
             </a:fld>
             <a:endParaRPr lang="en-US"/>
           </a:p>
@@ -4839,7 +4785,7 @@
           <a:p>
             <a:fld id="{5B15DD13-963A-5F46-82C4-D335A0D7E61E}" type="datetimeFigureOut">
               <a:rPr lang="en-US" smtClean="0"/>
-              <a:t>6/19/23</a:t>
+              <a:t>9/18/23</a:t>
             </a:fld>
             <a:endParaRPr lang="en-US"/>
           </a:p>
@@ -4934,7 +4880,7 @@
           <a:p>
             <a:fld id="{5B15DD13-963A-5F46-82C4-D335A0D7E61E}" type="datetimeFigureOut">
               <a:rPr lang="en-US" smtClean="0"/>
-              <a:t>6/19/23</a:t>
+              <a:t>9/18/23</a:t>
             </a:fld>
             <a:endParaRPr lang="en-US"/>
           </a:p>
@@ -5211,7 +5157,7 @@
           <a:p>
             <a:fld id="{5B15DD13-963A-5F46-82C4-D335A0D7E61E}" type="datetimeFigureOut">
               <a:rPr lang="en-US" smtClean="0"/>
-              <a:t>6/19/23</a:t>
+              <a:t>9/18/23</a:t>
             </a:fld>
             <a:endParaRPr lang="en-US"/>
           </a:p>
@@ -5468,7 +5414,7 @@
           <a:p>
             <a:fld id="{5B15DD13-963A-5F46-82C4-D335A0D7E61E}" type="datetimeFigureOut">
               <a:rPr lang="en-US" smtClean="0"/>
-              <a:t>6/19/23</a:t>
+              <a:t>9/18/23</a:t>
             </a:fld>
             <a:endParaRPr lang="en-US"/>
           </a:p>
@@ -5681,7 +5627,7 @@
           <a:p>
             <a:fld id="{5B15DD13-963A-5F46-82C4-D335A0D7E61E}" type="datetimeFigureOut">
               <a:rPr lang="en-US" smtClean="0"/>
-              <a:t>6/19/23</a:t>
+              <a:t>9/18/23</a:t>
             </a:fld>
             <a:endParaRPr lang="en-US"/>
           </a:p>
@@ -13859,129 +13805,6 @@
           </a:p>
         </p:txBody>
       </p:sp>
-      <p:grpSp>
-        <p:nvGrpSpPr>
-          <p:cNvPr id="39" name="Group 38">
-            <a:extLst>
-              <a:ext uri="{FF2B5EF4-FFF2-40B4-BE49-F238E27FC236}">
-                <a16:creationId xmlns:a16="http://schemas.microsoft.com/office/drawing/2014/main" id="{405C6B43-5796-0FC1-E280-7C652D24C633}"/>
-              </a:ext>
-            </a:extLst>
-          </p:cNvPr>
-          <p:cNvGrpSpPr/>
-          <p:nvPr/>
-        </p:nvGrpSpPr>
-        <p:grpSpPr>
-          <a:xfrm>
-            <a:off x="4711774" y="12146151"/>
-            <a:ext cx="799560" cy="801360"/>
-            <a:chOff x="7949400" y="13623840"/>
-            <a:chExt cx="799560" cy="801360"/>
-          </a:xfrm>
-        </p:grpSpPr>
-        <mc:AlternateContent xmlns:mc="http://schemas.openxmlformats.org/markup-compatibility/2006" xmlns:p14="http://schemas.microsoft.com/office/powerpoint/2010/main">
-          <mc:Choice Requires="p14">
-            <p:contentPart p14:bwMode="auto" r:id="rId37">
-              <p14:nvContentPartPr>
-                <p14:cNvPr id="51" name="Ink 50">
-                  <a:extLst>
-                    <a:ext uri="{FF2B5EF4-FFF2-40B4-BE49-F238E27FC236}">
-                      <a16:creationId xmlns:a16="http://schemas.microsoft.com/office/drawing/2014/main" id="{4D79BD20-6D4C-0E0A-59E1-98EF94249F30}"/>
-                    </a:ext>
-                  </a:extLst>
-                </p14:cNvPr>
-                <p14:cNvContentPartPr/>
-                <p14:nvPr/>
-              </p14:nvContentPartPr>
-              <p14:xfrm>
-                <a:off x="7949400" y="13623840"/>
-                <a:ext cx="799560" cy="776160"/>
-              </p14:xfrm>
-            </p:contentPart>
-          </mc:Choice>
-          <mc:Fallback xmlns="">
-            <p:pic>
-              <p:nvPicPr>
-                <p:cNvPr id="77" name="Ink 76">
-                  <a:extLst>
-                    <a:ext uri="{FF2B5EF4-FFF2-40B4-BE49-F238E27FC236}">
-                      <a16:creationId xmlns:a16="http://schemas.microsoft.com/office/drawing/2014/main" id="{E7B01F4F-223A-E2A8-FF6F-0669387A82F2}"/>
-                    </a:ext>
-                  </a:extLst>
-                </p:cNvPr>
-                <p:cNvPicPr/>
-                <p:nvPr/>
-              </p:nvPicPr>
-              <p:blipFill>
-                <a:blip r:embed="rId40"/>
-                <a:stretch>
-                  <a:fillRect/>
-                </a:stretch>
-              </p:blipFill>
-              <p:spPr>
-                <a:xfrm>
-                  <a:off x="7931760" y="13605840"/>
-                  <a:ext cx="835200" cy="811800"/>
-                </a:xfrm>
-                <a:prstGeom prst="rect">
-                  <a:avLst/>
-                </a:prstGeom>
-              </p:spPr>
-            </p:pic>
-          </mc:Fallback>
-        </mc:AlternateContent>
-        <mc:AlternateContent xmlns:mc="http://schemas.openxmlformats.org/markup-compatibility/2006" xmlns:p14="http://schemas.microsoft.com/office/powerpoint/2010/main">
-          <mc:Choice Requires="p14">
-            <p:contentPart p14:bwMode="auto" r:id="rId41">
-              <p14:nvContentPartPr>
-                <p14:cNvPr id="52" name="Ink 51">
-                  <a:extLst>
-                    <a:ext uri="{FF2B5EF4-FFF2-40B4-BE49-F238E27FC236}">
-                      <a16:creationId xmlns:a16="http://schemas.microsoft.com/office/drawing/2014/main" id="{310BBC08-C6D9-2D10-9FA5-352644CD6D09}"/>
-                    </a:ext>
-                  </a:extLst>
-                </p14:cNvPr>
-                <p14:cNvContentPartPr/>
-                <p14:nvPr/>
-              </p14:nvContentPartPr>
-              <p14:xfrm>
-                <a:off x="8313720" y="14419800"/>
-                <a:ext cx="403200" cy="5400"/>
-              </p14:xfrm>
-            </p:contentPart>
-          </mc:Choice>
-          <mc:Fallback xmlns="">
-            <p:pic>
-              <p:nvPicPr>
-                <p:cNvPr id="78" name="Ink 77">
-                  <a:extLst>
-                    <a:ext uri="{FF2B5EF4-FFF2-40B4-BE49-F238E27FC236}">
-                      <a16:creationId xmlns:a16="http://schemas.microsoft.com/office/drawing/2014/main" id="{3495F0DE-8B34-B03B-F96C-E08642B73660}"/>
-                    </a:ext>
-                  </a:extLst>
-                </p:cNvPr>
-                <p:cNvPicPr/>
-                <p:nvPr/>
-              </p:nvPicPr>
-              <p:blipFill>
-                <a:blip r:embed="rId42"/>
-                <a:stretch>
-                  <a:fillRect/>
-                </a:stretch>
-              </p:blipFill>
-              <p:spPr>
-                <a:xfrm>
-                  <a:off x="8295720" y="14402160"/>
-                  <a:ext cx="438840" cy="41040"/>
-                </a:xfrm>
-                <a:prstGeom prst="rect">
-                  <a:avLst/>
-                </a:prstGeom>
-              </p:spPr>
-            </p:pic>
-          </mc:Fallback>
-        </mc:AlternateContent>
-      </p:grpSp>
       <p:sp>
         <p:nvSpPr>
           <p:cNvPr id="53" name="TextBox 52">
@@ -14020,7 +13843,7 @@
       </p:sp>
       <mc:AlternateContent xmlns:mc="http://schemas.openxmlformats.org/markup-compatibility/2006" xmlns:p14="http://schemas.microsoft.com/office/powerpoint/2010/main">
         <mc:Choice Requires="p14">
-          <p:contentPart p14:bwMode="auto" r:id="rId43">
+          <p:contentPart p14:bwMode="auto" r:id="rId37">
             <p14:nvContentPartPr>
               <p14:cNvPr id="54" name="Ink 53">
                 <a:extLst>
@@ -14129,7 +13952,7 @@
         </p:grpSpPr>
         <mc:AlternateContent xmlns:mc="http://schemas.openxmlformats.org/markup-compatibility/2006" xmlns:p14="http://schemas.microsoft.com/office/powerpoint/2010/main">
           <mc:Choice Requires="p14">
-            <p:contentPart p14:bwMode="auto" r:id="rId44">
+            <p:contentPart p14:bwMode="auto" r:id="rId38">
               <p14:nvContentPartPr>
                 <p14:cNvPr id="71" name="Ink 70">
                   <a:extLst>
@@ -14180,7 +14003,7 @@
         </mc:AlternateContent>
         <mc:AlternateContent xmlns:mc="http://schemas.openxmlformats.org/markup-compatibility/2006" xmlns:p14="http://schemas.microsoft.com/office/powerpoint/2010/main">
           <mc:Choice Requires="p14">
-            <p:contentPart p14:bwMode="auto" r:id="rId45">
+            <p:contentPart p14:bwMode="auto" r:id="rId41">
               <p14:nvContentPartPr>
                 <p14:cNvPr id="72" name="Ink 71">
                   <a:extLst>

--- a/images/experiments/money.pptx
+++ b/images/experiments/money.pptx
@@ -488,14 +488,14 @@
           <inkml:channelProperty channel="F" name="resolution" value="0" units="1/dev"/>
         </inkml:channelProperties>
       </inkml:inkSource>
-      <inkml:timestamp xml:id="ts0" timeString="2022-06-20T17:34:34.037"/>
+      <inkml:timestamp xml:id="ts0" timeString="2023-09-18T23:54:40.607"/>
     </inkml:context>
     <inkml:brush xml:id="br0">
       <inkml:brushProperty name="width" value="0.1" units="cm"/>
       <inkml:brushProperty name="height" value="0.1" units="cm"/>
     </inkml:brush>
   </inkml:definitions>
-  <inkml:trace contextRef="#ctx0" brushRef="#br0">1 0 24575,'28'29'0,"9"-3"0,18 26 0,-18-25 0,25 36 0,-12-2-1067,9 9 1067,-18-20 0,-1 0 0,9 18 0,-15-24 0,0 1 0,23 31 0,-21-31 0,0 0 0,23 23 0,-21-24 0,0-1 0,9 12 261,18 10-261,-21-22 0,-10-2 0,-6-17 0,-11-3 0,4-7 806,0 1-806,-6-2 0,6-4 0,0 3 0,-5-4 0,5 0 0,-8 5 0,1-12 0,0 11 0,-1-4 0,1-1 0,0-1 0,-1-6 0,-5 7 0,4-6 0,-5 11 0,14-4 0,-5 6 0,12 1 0,-5 0 0,7 0 0,-7-1 0,5 1 0,-11 6 0,4-4 0,0 4 0,2 0 0,0-4 0,6 4 0,-13 1 0,12-6 0,-4 13 0,-1-6 0,6 8 0,-12-1 0,5 0 0,-1 0 0,-4-7 0,4 6 0,-7-14 0,1 14 0,-1-14 0,0 6 0,0-7 0,-1-1 0,1 1 0,-6 0 0,4-1 0,-11 1 0,11-6 0,-10 3 0,10-9 0,-11 10 0,11-5 0,-5 7 0,7 0 0,-6-1 0,4 1 0,-5 0 0,7-1 0,-6 1 0,4-6 0,-11 4 0,11-11 0,-5 5 0,5-6 0,-5 6 0,5-5 0,-5 11 0,6-5 0,-1 5 0,1 1 0,-6-11 0,-1-4 0,-6-17 0,0 5 0,0-14 0,0 6 0,0-9 0,0 1 0,0-9 0,0 7 0,0-7 0,0 0 0,0 6 0,0 2 0,0 3 0,0 12 0,0-5 0,0 8 0,0 0 0,0-6 0,0 5 0,0-13 0,0 4 0,0 1 0,0-7 0,0 14 0,0-6 0,0 0 0,0-2 0,0 0 0,0-6 0,0 14 0,0-6 0,0 7 0,0 1 0,0-1 0,0 1 0,0 1 0,0-1 0,6 5 0,-5-3 0,5 4 0,-6-6 0,0 0 0,0-1 0,0 0 0,7-5 0,0 3 0,1-11 0,-2 12 0,0-6 0,-5 7 0,6 1 0,-2 6 0,-4 2 0,5 5 0</inkml:trace>
+  <inkml:trace contextRef="#ctx0" brushRef="#br0">1 1 24575,'0'24'0,"0"1"0,0 2 0,0-4 0,0 1 0,0-9 0,0 0 0,0-9 0,0-1 0,0-1 0,0 1 0,0 0 0,0-3 0,0 2 0</inkml:trace>
 </inkml:ink>
 </file>
 
@@ -515,14 +515,230 @@
           <inkml:channelProperty channel="F" name="resolution" value="0" units="1/dev"/>
         </inkml:channelProperties>
       </inkml:inkSource>
-      <inkml:timestamp xml:id="ts0" timeString="2022-06-20T17:34:34.038"/>
+      <inkml:timestamp xml:id="ts0" timeString="2023-09-18T23:54:42.126"/>
     </inkml:context>
     <inkml:brush xml:id="br0">
       <inkml:brushProperty name="width" value="0.1" units="cm"/>
       <inkml:brushProperty name="height" value="0.1" units="cm"/>
     </inkml:brush>
   </inkml:definitions>
-  <inkml:trace contextRef="#ctx0" brushRef="#br0">1119 1 24575,'-20'0'0,"-2"0"0,-17 0 0,-2 0 0,-9 0 0,-10 0 0,-13 0 0,-2 0 0,-9 0 0,22 0 0,-19 0 0,34 0 0,-21 0 0,35 0 0,-6 0 0,17 0 0,-6 0 0,14 0 0,-5 0 0,6 0 0,0 0 0,-8 0 0,5 0 0,-12 0 0,5 0 0,0 0 0,-5 0 0,12 0 0,-5 0 0,7 6 0,1-5 0,6 5 0,1-6 0</inkml:trace>
+  <inkml:trace contextRef="#ctx0" brushRef="#br0">1 1 24575,'0'32'0,"0"1"0,0 0 0,0-3 0,0-7 0,0-7 0,0-5 0,0-6 0,0-1 0</inkml:trace>
+</inkml:ink>
+</file>
+
+<file path=ppt/ink/ink112.xml><?xml version="1.0" encoding="utf-8"?>
+<inkml:ink xmlns:inkml="http://www.w3.org/2003/InkML">
+  <inkml:definitions>
+    <inkml:context xml:id="ctx0">
+      <inkml:inkSource xml:id="inkSrc0">
+        <inkml:traceFormat>
+          <inkml:channel name="X" type="integer" min="-2.14748E9" max="2.14748E9" units="cm"/>
+          <inkml:channel name="Y" type="integer" min="-2.14748E9" max="2.14748E9" units="cm"/>
+          <inkml:channel name="F" type="integer" max="32767" units="dev"/>
+        </inkml:traceFormat>
+        <inkml:channelProperties>
+          <inkml:channelProperty channel="X" name="resolution" value="1000" units="1/cm"/>
+          <inkml:channelProperty channel="Y" name="resolution" value="1000" units="1/cm"/>
+          <inkml:channelProperty channel="F" name="resolution" value="0" units="1/dev"/>
+        </inkml:channelProperties>
+      </inkml:inkSource>
+      <inkml:timestamp xml:id="ts0" timeString="2023-09-18T23:54:43.380"/>
+    </inkml:context>
+    <inkml:brush xml:id="br0">
+      <inkml:brushProperty name="width" value="0.1" units="cm"/>
+      <inkml:brushProperty name="height" value="0.1" units="cm"/>
+    </inkml:brush>
+  </inkml:definitions>
+  <inkml:trace contextRef="#ctx0" brushRef="#br0">0 1 24575,'0'24'0,"0"-2"0,0-2 0,0-2 0,0-5 0,0 0 0,0-4 0,0 0 0,0 0 0,0 1 0,0 1 0,0 1 0,0 1 0,0 0 0,0-1 0,0-4 0,0-3 0</inkml:trace>
+</inkml:ink>
+</file>
+
+<file path=ppt/ink/ink113.xml><?xml version="1.0" encoding="utf-8"?>
+<inkml:ink xmlns:inkml="http://www.w3.org/2003/InkML">
+  <inkml:definitions>
+    <inkml:context xml:id="ctx0">
+      <inkml:inkSource xml:id="inkSrc0">
+        <inkml:traceFormat>
+          <inkml:channel name="X" type="integer" min="-2.14748E9" max="2.14748E9" units="cm"/>
+          <inkml:channel name="Y" type="integer" min="-2.14748E9" max="2.14748E9" units="cm"/>
+          <inkml:channel name="F" type="integer" max="32767" units="dev"/>
+        </inkml:traceFormat>
+        <inkml:channelProperties>
+          <inkml:channelProperty channel="X" name="resolution" value="1000" units="1/cm"/>
+          <inkml:channelProperty channel="Y" name="resolution" value="1000" units="1/cm"/>
+          <inkml:channelProperty channel="F" name="resolution" value="0" units="1/dev"/>
+        </inkml:channelProperties>
+      </inkml:inkSource>
+      <inkml:timestamp xml:id="ts0" timeString="2023-09-18T23:54:45.058"/>
+    </inkml:context>
+    <inkml:brush xml:id="br0">
+      <inkml:brushProperty name="width" value="0.1" units="cm"/>
+      <inkml:brushProperty name="height" value="0.1" units="cm"/>
+    </inkml:brush>
+  </inkml:definitions>
+  <inkml:trace contextRef="#ctx0" brushRef="#br0">1 1 24575,'0'25'0,"0"-5"0,0-5 0,0-5 0,0-3 0,0 3 0,0 4 0,0 1 0,0 3 0,0-2 0,0 1 0,0 1 0,0-1 0,0 0 0,0-5 0,0-3 0,0-3 0,0-2 0,0 0 0,0 0 0,0 1 0,0-1 0,0 1 0,0-1 0,0 0 0,0-2 0,0 0 0</inkml:trace>
+</inkml:ink>
+</file>
+
+<file path=ppt/ink/ink114.xml><?xml version="1.0" encoding="utf-8"?>
+<inkml:ink xmlns:inkml="http://www.w3.org/2003/InkML">
+  <inkml:definitions>
+    <inkml:context xml:id="ctx0">
+      <inkml:inkSource xml:id="inkSrc0">
+        <inkml:traceFormat>
+          <inkml:channel name="X" type="integer" min="-2.14748E9" max="2.14748E9" units="cm"/>
+          <inkml:channel name="Y" type="integer" min="-2.14748E9" max="2.14748E9" units="cm"/>
+          <inkml:channel name="F" type="integer" max="32767" units="dev"/>
+        </inkml:traceFormat>
+        <inkml:channelProperties>
+          <inkml:channelProperty channel="X" name="resolution" value="1000" units="1/cm"/>
+          <inkml:channelProperty channel="Y" name="resolution" value="1000" units="1/cm"/>
+          <inkml:channelProperty channel="F" name="resolution" value="0" units="1/dev"/>
+        </inkml:channelProperties>
+      </inkml:inkSource>
+      <inkml:timestamp xml:id="ts0" timeString="2023-09-18T23:54:46.321"/>
+    </inkml:context>
+    <inkml:brush xml:id="br0">
+      <inkml:brushProperty name="width" value="0.1" units="cm"/>
+      <inkml:brushProperty name="height" value="0.1" units="cm"/>
+    </inkml:brush>
+  </inkml:definitions>
+  <inkml:trace contextRef="#ctx0" brushRef="#br0">1 0 24575,'0'43'0,"0"-4"0,0-1 0,0-6 0,0-4 0,0 0 0,0 1 0,0 3 0,0 3 0,0-5 0,0-6 0,0-7 0,0-6 0,0-5 0,0-3 0</inkml:trace>
+</inkml:ink>
+</file>
+
+<file path=ppt/ink/ink115.xml><?xml version="1.0" encoding="utf-8"?>
+<inkml:ink xmlns:inkml="http://www.w3.org/2003/InkML">
+  <inkml:definitions>
+    <inkml:context xml:id="ctx0">
+      <inkml:inkSource xml:id="inkSrc0">
+        <inkml:traceFormat>
+          <inkml:channel name="X" type="integer" min="-2.14748E9" max="2.14748E9" units="cm"/>
+          <inkml:channel name="Y" type="integer" min="-2.14748E9" max="2.14748E9" units="cm"/>
+          <inkml:channel name="F" type="integer" max="32767" units="dev"/>
+        </inkml:traceFormat>
+        <inkml:channelProperties>
+          <inkml:channelProperty channel="X" name="resolution" value="1000" units="1/cm"/>
+          <inkml:channelProperty channel="Y" name="resolution" value="1000" units="1/cm"/>
+          <inkml:channelProperty channel="F" name="resolution" value="0" units="1/dev"/>
+        </inkml:channelProperties>
+      </inkml:inkSource>
+      <inkml:timestamp xml:id="ts0" timeString="2023-09-18T23:54:47.567"/>
+    </inkml:context>
+    <inkml:brush xml:id="br0">
+      <inkml:brushProperty name="width" value="0.1" units="cm"/>
+      <inkml:brushProperty name="height" value="0.1" units="cm"/>
+    </inkml:brush>
+  </inkml:definitions>
+  <inkml:trace contextRef="#ctx0" brushRef="#br0">1 0 24575,'0'22'0,"0"7"0,0 12 0,0 3 0,0-7 0,0-10 0,0-5 0,0-7 0,0 1 0,0-3 0,0 0 0,0-3 0,0-2 0,0-2 0,0-4 0,0 0 0</inkml:trace>
+</inkml:ink>
+</file>
+
+<file path=ppt/ink/ink116.xml><?xml version="1.0" encoding="utf-8"?>
+<inkml:ink xmlns:inkml="http://www.w3.org/2003/InkML">
+  <inkml:definitions>
+    <inkml:context xml:id="ctx0">
+      <inkml:inkSource xml:id="inkSrc0">
+        <inkml:traceFormat>
+          <inkml:channel name="X" type="integer" min="-2.14748E9" max="2.14748E9" units="cm"/>
+          <inkml:channel name="Y" type="integer" min="-2.14748E9" max="2.14748E9" units="cm"/>
+          <inkml:channel name="F" type="integer" max="32767" units="dev"/>
+        </inkml:traceFormat>
+        <inkml:channelProperties>
+          <inkml:channelProperty channel="X" name="resolution" value="1000" units="1/cm"/>
+          <inkml:channelProperty channel="Y" name="resolution" value="1000" units="1/cm"/>
+          <inkml:channelProperty channel="F" name="resolution" value="0" units="1/dev"/>
+        </inkml:channelProperties>
+      </inkml:inkSource>
+      <inkml:timestamp xml:id="ts0" timeString="2023-09-18T23:54:48.705"/>
+    </inkml:context>
+    <inkml:brush xml:id="br0">
+      <inkml:brushProperty name="width" value="0.1" units="cm"/>
+      <inkml:brushProperty name="height" value="0.1" units="cm"/>
+    </inkml:brush>
+  </inkml:definitions>
+  <inkml:trace contextRef="#ctx0" brushRef="#br0">1 0 24575,'0'15'0,"0"4"0,0-2 0,0 7 0,0 3 0,0 4 0,0 4 0,0-5 0,0-1 0,0-9 0,0-4 0,0-4 0,0-5 0,0-2 0,0-3 0</inkml:trace>
+</inkml:ink>
+</file>
+
+<file path=ppt/ink/ink117.xml><?xml version="1.0" encoding="utf-8"?>
+<inkml:ink xmlns:inkml="http://www.w3.org/2003/InkML">
+  <inkml:definitions>
+    <inkml:context xml:id="ctx0">
+      <inkml:inkSource xml:id="inkSrc0">
+        <inkml:traceFormat>
+          <inkml:channel name="X" type="integer" min="-2.14748E9" max="2.14748E9" units="cm"/>
+          <inkml:channel name="Y" type="integer" min="-2.14748E9" max="2.14748E9" units="cm"/>
+          <inkml:channel name="F" type="integer" max="32767" units="dev"/>
+        </inkml:traceFormat>
+        <inkml:channelProperties>
+          <inkml:channelProperty channel="X" name="resolution" value="1000" units="1/cm"/>
+          <inkml:channelProperty channel="Y" name="resolution" value="1000" units="1/cm"/>
+          <inkml:channelProperty channel="F" name="resolution" value="0" units="1/dev"/>
+        </inkml:channelProperties>
+      </inkml:inkSource>
+      <inkml:timestamp xml:id="ts0" timeString="2023-09-18T23:54:50.002"/>
+    </inkml:context>
+    <inkml:brush xml:id="br0">
+      <inkml:brushProperty name="width" value="0.1" units="cm"/>
+      <inkml:brushProperty name="height" value="0.1" units="cm"/>
+    </inkml:brush>
+  </inkml:definitions>
+  <inkml:trace contextRef="#ctx0" brushRef="#br0">0 0 24575,'0'33'0,"0"-7"0,0 12 0,0-10 0,0 1 0,0-6 0,0-4 0,0-4 0,0-4 0,0-2 0,0-5 0</inkml:trace>
+</inkml:ink>
+</file>
+
+<file path=ppt/ink/ink118.xml><?xml version="1.0" encoding="utf-8"?>
+<inkml:ink xmlns:inkml="http://www.w3.org/2003/InkML">
+  <inkml:definitions>
+    <inkml:context xml:id="ctx0">
+      <inkml:inkSource xml:id="inkSrc0">
+        <inkml:traceFormat>
+          <inkml:channel name="X" type="integer" min="-2.14748E9" max="2.14748E9" units="cm"/>
+          <inkml:channel name="Y" type="integer" min="-2.14748E9" max="2.14748E9" units="cm"/>
+          <inkml:channel name="F" type="integer" max="32767" units="dev"/>
+        </inkml:traceFormat>
+        <inkml:channelProperties>
+          <inkml:channelProperty channel="X" name="resolution" value="1000" units="1/cm"/>
+          <inkml:channelProperty channel="Y" name="resolution" value="1000" units="1/cm"/>
+          <inkml:channelProperty channel="F" name="resolution" value="0" units="1/dev"/>
+        </inkml:channelProperties>
+      </inkml:inkSource>
+      <inkml:timestamp xml:id="ts0" timeString="2023-09-18T23:54:51.363"/>
+    </inkml:context>
+    <inkml:brush xml:id="br0">
+      <inkml:brushProperty name="width" value="0.1" units="cm"/>
+      <inkml:brushProperty name="height" value="0.1" units="cm"/>
+    </inkml:brush>
+  </inkml:definitions>
+  <inkml:trace contextRef="#ctx0" brushRef="#br0">0 1 24575,'0'21'0,"0"2"0,0 2 0,0-4 0,0-4 0,0 0 0,0-2 0,0 6 0,0-2 0,0 3 0,0 4 0,0 1 0,0 7 0,2 0 0,2 0 0,1 0 0,-1-7 0,-2-6 0,-2-5 0,0-5 0,0-5 0,0-3 0</inkml:trace>
+</inkml:ink>
+</file>
+
+<file path=ppt/ink/ink119.xml><?xml version="1.0" encoding="utf-8"?>
+<inkml:ink xmlns:inkml="http://www.w3.org/2003/InkML">
+  <inkml:definitions>
+    <inkml:context xml:id="ctx0">
+      <inkml:inkSource xml:id="inkSrc0">
+        <inkml:traceFormat>
+          <inkml:channel name="X" type="integer" min="-2.14748E9" max="2.14748E9" units="cm"/>
+          <inkml:channel name="Y" type="integer" min="-2.14748E9" max="2.14748E9" units="cm"/>
+          <inkml:channel name="F" type="integer" max="32767" units="dev"/>
+        </inkml:traceFormat>
+        <inkml:channelProperties>
+          <inkml:channelProperty channel="X" name="resolution" value="1000" units="1/cm"/>
+          <inkml:channelProperty channel="Y" name="resolution" value="1000" units="1/cm"/>
+          <inkml:channelProperty channel="F" name="resolution" value="0" units="1/dev"/>
+        </inkml:channelProperties>
+      </inkml:inkSource>
+      <inkml:timestamp xml:id="ts0" timeString="2023-09-18T23:54:53.236"/>
+    </inkml:context>
+    <inkml:brush xml:id="br0">
+      <inkml:brushProperty name="width" value="0.1" units="cm"/>
+      <inkml:brushProperty name="height" value="0.1" units="cm"/>
+    </inkml:brush>
+  </inkml:definitions>
+  <inkml:trace contextRef="#ctx0" brushRef="#br0">0 0 24575,'36'34'0,"5"2"0,6 1 0,0 0 0,-9-8 0,-5-4 0,-5 0 0,-1 1 0,-2 5 0,-6 0 0,-2 0 0,-3-1 0,5 5 0,4 3 0,6 2 0,1-2 0,1-4 0,-2-5 0,-4-5 0,-2-5 0,-1-2 0,-2-1 0,-1 0 0,-2-4 0,-5-3 0,-2-3 0,-3-4 0,-2 2 0,4 2 0,2 3 0,2 2 0,-3-1 0,-4-4 0,-1-1 0,-4-4 0,1-1 0</inkml:trace>
 </inkml:ink>
 </file>
 
@@ -550,6 +766,33 @@
     </inkml:brush>
   </inkml:definitions>
   <inkml:trace contextRef="#ctx0" brushRef="#br0">0 710 24575,'59'-34'0,"13"-10"0,-34 13 0,7 1 0,-12 11 0,-18 11 0,4 2 0,1-4 0,2 0 0,9 0 0,-4-6 0,12 4 0,-4-9 0,4 8 0,-6-7 0,-1 8 0,8-10 0,-6 10 0,5-10 0,-6 10 0,0-8 0,6 7 0,-4-3 0,4 0 0,-6 4 0,-1-9 0,-5 10 0,5-5 0,-11 2 0,0 2 0,-7 3 0,-6 1 0,1 7 0,0-7 0,0 7 0,-4-10 0,3 5 0,-3-11 0,9 2 0,2-5 0,3 0 0,1 0 0,0 5 0,-4-4 0,-2 12 0,-5-6 0,0 12 0,0-3 0,-4 4 0,-1 0 0</inkml:trace>
+</inkml:ink>
+</file>
+
+<file path=ppt/ink/ink120.xml><?xml version="1.0" encoding="utf-8"?>
+<inkml:ink xmlns:inkml="http://www.w3.org/2003/InkML">
+  <inkml:definitions>
+    <inkml:context xml:id="ctx0">
+      <inkml:inkSource xml:id="inkSrc0">
+        <inkml:traceFormat>
+          <inkml:channel name="X" type="integer" min="-2.14748E9" max="2.14748E9" units="cm"/>
+          <inkml:channel name="Y" type="integer" min="-2.14748E9" max="2.14748E9" units="cm"/>
+          <inkml:channel name="F" type="integer" max="32767" units="dev"/>
+        </inkml:traceFormat>
+        <inkml:channelProperties>
+          <inkml:channelProperty channel="X" name="resolution" value="1000" units="1/cm"/>
+          <inkml:channelProperty channel="Y" name="resolution" value="1000" units="1/cm"/>
+          <inkml:channelProperty channel="F" name="resolution" value="0" units="1/dev"/>
+        </inkml:channelProperties>
+      </inkml:inkSource>
+      <inkml:timestamp xml:id="ts0" timeString="2023-09-18T23:54:54.265"/>
+    </inkml:context>
+    <inkml:brush xml:id="br0">
+      <inkml:brushProperty name="width" value="0.1" units="cm"/>
+      <inkml:brushProperty name="height" value="0.1" units="cm"/>
+    </inkml:brush>
+  </inkml:definitions>
+  <inkml:trace contextRef="#ctx0" brushRef="#br0">1 858 24575,'22'-22'0,"5"-4"0,20-11 0,14-10 0,1 1 0,10-7 0,-29 25 0,2 0 0,4-3 0,2-1 0,7-4 0,0 0 0,-4 1 0,-3 0 0,-8 4 0,-4-1 0,26-23 0,-15 7 0,-8 4 0,-5 3 0,-4 5 0,-3 6 0,-5 9 0,-7 8 0,-5 5 0,-4 4 0,-5 3 0,-1 0 0</inkml:trace>
 </inkml:ink>
 </file>
 
@@ -13580,8 +13823,8 @@
           </a:p>
         </p:txBody>
       </p:sp>
-      <mc:AlternateContent xmlns:mc="http://schemas.openxmlformats.org/markup-compatibility/2006" xmlns:p14="http://schemas.microsoft.com/office/powerpoint/2010/main">
-        <mc:Choice Requires="p14">
+      <mc:AlternateContent xmlns:mc="http://schemas.openxmlformats.org/markup-compatibility/2006">
+        <mc:Choice xmlns:p14="http://schemas.microsoft.com/office/powerpoint/2010/main" Requires="p14">
           <p:contentPart p14:bwMode="auto" r:id="rId33">
             <p14:nvContentPartPr>
               <p14:cNvPr id="31" name="Ink 30">
@@ -13595,12 +13838,12 @@
               <p14:nvPr/>
             </p14:nvContentPartPr>
             <p14:xfrm flipV="1">
-              <a:off x="3131755" y="10809362"/>
+              <a:off x="2890022" y="12890169"/>
               <a:ext cx="1677960" cy="1494000"/>
             </p14:xfrm>
           </p:contentPart>
         </mc:Choice>
-        <mc:Fallback xmlns="">
+        <mc:Fallback>
           <p:pic>
             <p:nvPicPr>
               <p:cNvPr id="31" name="Ink 30">
@@ -13621,7 +13864,7 @@
             </p:blipFill>
             <p:spPr>
               <a:xfrm flipV="1">
-                <a:off x="3113759" y="10791358"/>
+                <a:off x="2872026" y="12872165"/>
                 <a:ext cx="1713592" cy="1529649"/>
               </a:xfrm>
               <a:prstGeom prst="rect">
@@ -13631,8 +13874,8 @@
           </p:pic>
         </mc:Fallback>
       </mc:AlternateContent>
-      <mc:AlternateContent xmlns:mc="http://schemas.openxmlformats.org/markup-compatibility/2006" xmlns:p14="http://schemas.microsoft.com/office/powerpoint/2010/main">
-        <mc:Choice Requires="p14">
+      <mc:AlternateContent xmlns:mc="http://schemas.openxmlformats.org/markup-compatibility/2006">
+        <mc:Choice xmlns:p14="http://schemas.microsoft.com/office/powerpoint/2010/main" Requires="p14">
           <p:contentPart p14:bwMode="auto" r:id="rId35">
             <p14:nvContentPartPr>
               <p14:cNvPr id="32" name="Ink 31">
@@ -13646,12 +13889,12 @@
               <p14:nvPr/>
             </p14:nvContentPartPr>
             <p14:xfrm flipV="1">
-              <a:off x="7046395" y="10794602"/>
+              <a:off x="6804662" y="12875409"/>
               <a:ext cx="1677960" cy="1494000"/>
             </p14:xfrm>
           </p:contentPart>
         </mc:Choice>
-        <mc:Fallback xmlns="">
+        <mc:Fallback>
           <p:pic>
             <p:nvPicPr>
               <p:cNvPr id="32" name="Ink 31">
@@ -13672,7 +13915,7 @@
             </p:blipFill>
             <p:spPr>
               <a:xfrm flipV="1">
-                <a:off x="7028399" y="10776598"/>
+                <a:off x="6786666" y="12857405"/>
                 <a:ext cx="1713592" cy="1529649"/>
               </a:xfrm>
               <a:prstGeom prst="rect">
@@ -13682,93 +13925,114 @@
           </p:pic>
         </mc:Fallback>
       </mc:AlternateContent>
-      <mc:AlternateContent xmlns:mc="http://schemas.openxmlformats.org/markup-compatibility/2006" xmlns:p14="http://schemas.microsoft.com/office/powerpoint/2010/main">
-        <mc:Choice Requires="p14">
-          <p:contentPart p14:bwMode="auto" r:id="rId36">
-            <p14:nvContentPartPr>
-              <p14:cNvPr id="33" name="Ink 32">
-                <a:extLst>
-                  <a:ext uri="{FF2B5EF4-FFF2-40B4-BE49-F238E27FC236}">
-                    <a16:creationId xmlns:a16="http://schemas.microsoft.com/office/drawing/2014/main" id="{8E9067B8-B6C8-5EDD-FAFA-CC95F45E6F7D}"/>
-                  </a:ext>
-                </a:extLst>
-              </p14:cNvPr>
-              <p14:cNvContentPartPr/>
-              <p14:nvPr/>
-            </p14:nvContentPartPr>
-            <p14:xfrm flipV="1">
-              <a:off x="5257020" y="12805367"/>
-              <a:ext cx="1677960" cy="1494000"/>
-            </p14:xfrm>
-          </p:contentPart>
-        </mc:Choice>
-        <mc:Fallback xmlns="">
-          <p:pic>
-            <p:nvPicPr>
-              <p:cNvPr id="33" name="Ink 32">
-                <a:extLst>
-                  <a:ext uri="{FF2B5EF4-FFF2-40B4-BE49-F238E27FC236}">
-                    <a16:creationId xmlns:a16="http://schemas.microsoft.com/office/drawing/2014/main" id="{8E9067B8-B6C8-5EDD-FAFA-CC95F45E6F7D}"/>
-                  </a:ext>
-                </a:extLst>
-              </p:cNvPr>
-              <p:cNvPicPr/>
-              <p:nvPr/>
-            </p:nvPicPr>
-            <p:blipFill>
-              <a:blip r:embed="rId34"/>
-              <a:stretch>
-                <a:fillRect/>
-              </a:stretch>
-            </p:blipFill>
-            <p:spPr>
-              <a:xfrm flipV="1">
-                <a:off x="5239024" y="12787363"/>
-                <a:ext cx="1713592" cy="1529649"/>
-              </a:xfrm>
-              <a:prstGeom prst="rect">
-                <a:avLst/>
-              </a:prstGeom>
-            </p:spPr>
-          </p:pic>
-        </mc:Fallback>
-      </mc:AlternateContent>
-      <p:sp>
-        <p:nvSpPr>
-          <p:cNvPr id="34" name="TextBox 33">
+      <p:grpSp>
+        <p:nvGrpSpPr>
+          <p:cNvPr id="28" name="Group 27">
             <a:extLst>
               <a:ext uri="{FF2B5EF4-FFF2-40B4-BE49-F238E27FC236}">
-                <a16:creationId xmlns:a16="http://schemas.microsoft.com/office/drawing/2014/main" id="{6FF8F2FA-5F4D-78E4-DDFF-32CA17EBE9EB}"/>
+                <a16:creationId xmlns:a16="http://schemas.microsoft.com/office/drawing/2014/main" id="{E8E731D5-93D1-CAA1-30F8-82CB341FB731}"/>
               </a:ext>
             </a:extLst>
           </p:cNvPr>
-          <p:cNvSpPr txBox="1"/>
+          <p:cNvGrpSpPr/>
           <p:nvPr/>
-        </p:nvSpPr>
-        <p:spPr>
+        </p:nvGrpSpPr>
+        <p:grpSpPr>
           <a:xfrm>
-            <a:off x="5231105" y="12988174"/>
-            <a:ext cx="1753437" cy="1200329"/>
+            <a:off x="6721609" y="9603528"/>
+            <a:ext cx="1753437" cy="1494000"/>
+            <a:chOff x="5248462" y="12805367"/>
+            <a:chExt cx="1753437" cy="1494000"/>
           </a:xfrm>
-          <a:prstGeom prst="rect">
-            <a:avLst/>
-          </a:prstGeom>
-          <a:noFill/>
-        </p:spPr>
-        <p:txBody>
-          <a:bodyPr wrap="square" rtlCol="0">
-            <a:spAutoFit/>
-          </a:bodyPr>
-          <a:lstStyle/>
-          <a:p>
-            <a:pPr algn="ctr"/>
-            <a:r>
-              <a:rPr lang="en-US" sz="2400" dirty="0"/>
-              <a:t>High math interest sample</a:t>
-            </a:r>
-          </a:p>
-        </p:txBody>
-      </p:sp>
+        </p:grpSpPr>
+        <mc:AlternateContent xmlns:mc="http://schemas.openxmlformats.org/markup-compatibility/2006">
+          <mc:Choice xmlns:p14="http://schemas.microsoft.com/office/powerpoint/2010/main" Requires="p14">
+            <p:contentPart p14:bwMode="auto" r:id="rId36">
+              <p14:nvContentPartPr>
+                <p14:cNvPr id="33" name="Ink 32">
+                  <a:extLst>
+                    <a:ext uri="{FF2B5EF4-FFF2-40B4-BE49-F238E27FC236}">
+                      <a16:creationId xmlns:a16="http://schemas.microsoft.com/office/drawing/2014/main" id="{8E9067B8-B6C8-5EDD-FAFA-CC95F45E6F7D}"/>
+                    </a:ext>
+                  </a:extLst>
+                </p14:cNvPr>
+                <p14:cNvContentPartPr/>
+                <p14:nvPr/>
+              </p14:nvContentPartPr>
+              <p14:xfrm flipV="1">
+                <a:off x="5257020" y="12805367"/>
+                <a:ext cx="1677960" cy="1494000"/>
+              </p14:xfrm>
+            </p:contentPart>
+          </mc:Choice>
+          <mc:Fallback>
+            <p:pic>
+              <p:nvPicPr>
+                <p:cNvPr id="33" name="Ink 32">
+                  <a:extLst>
+                    <a:ext uri="{FF2B5EF4-FFF2-40B4-BE49-F238E27FC236}">
+                      <a16:creationId xmlns:a16="http://schemas.microsoft.com/office/drawing/2014/main" id="{8E9067B8-B6C8-5EDD-FAFA-CC95F45E6F7D}"/>
+                    </a:ext>
+                  </a:extLst>
+                </p:cNvPr>
+                <p:cNvPicPr/>
+                <p:nvPr/>
+              </p:nvPicPr>
+              <p:blipFill>
+                <a:blip r:embed="rId34"/>
+                <a:stretch>
+                  <a:fillRect/>
+                </a:stretch>
+              </p:blipFill>
+              <p:spPr>
+                <a:xfrm flipV="1">
+                  <a:off x="5239024" y="12787363"/>
+                  <a:ext cx="1713592" cy="1529649"/>
+                </a:xfrm>
+                <a:prstGeom prst="rect">
+                  <a:avLst/>
+                </a:prstGeom>
+              </p:spPr>
+            </p:pic>
+          </mc:Fallback>
+        </mc:AlternateContent>
+        <p:sp>
+          <p:nvSpPr>
+            <p:cNvPr id="34" name="TextBox 33">
+              <a:extLst>
+                <a:ext uri="{FF2B5EF4-FFF2-40B4-BE49-F238E27FC236}">
+                  <a16:creationId xmlns:a16="http://schemas.microsoft.com/office/drawing/2014/main" id="{6FF8F2FA-5F4D-78E4-DDFF-32CA17EBE9EB}"/>
+                </a:ext>
+              </a:extLst>
+            </p:cNvPr>
+            <p:cNvSpPr txBox="1"/>
+            <p:nvPr/>
+          </p:nvSpPr>
+          <p:spPr>
+            <a:xfrm>
+              <a:off x="5248462" y="13136868"/>
+              <a:ext cx="1753437" cy="830997"/>
+            </a:xfrm>
+            <a:prstGeom prst="rect">
+              <a:avLst/>
+            </a:prstGeom>
+            <a:noFill/>
+          </p:spPr>
+          <p:txBody>
+            <a:bodyPr wrap="square" rtlCol="0">
+              <a:spAutoFit/>
+            </a:bodyPr>
+            <a:lstStyle/>
+            <a:p>
+              <a:pPr algn="ctr"/>
+              <a:r>
+                <a:rPr lang="en-US" sz="2400" dirty="0"/>
+                <a:t>High math interest</a:t>
+              </a:r>
+            </a:p>
+          </p:txBody>
+        </p:sp>
+      </p:grpSp>
       <p:sp>
         <p:nvSpPr>
           <p:cNvPr id="35" name="TextBox 34">
@@ -13783,7 +14047,7 @@
         </p:nvSpPr>
         <p:spPr>
           <a:xfrm>
-            <a:off x="7255203" y="11121996"/>
+            <a:off x="7013470" y="13202803"/>
             <a:ext cx="1279541" cy="830997"/>
           </a:xfrm>
           <a:prstGeom prst="rect">
@@ -13819,7 +14083,7 @@
         </p:nvSpPr>
         <p:spPr>
           <a:xfrm>
-            <a:off x="2862957" y="11120269"/>
+            <a:off x="2621224" y="13201076"/>
             <a:ext cx="2264619" cy="835382"/>
           </a:xfrm>
           <a:prstGeom prst="rect">
@@ -13841,8 +14105,8 @@
           </a:p>
         </p:txBody>
       </p:sp>
-      <mc:AlternateContent xmlns:mc="http://schemas.openxmlformats.org/markup-compatibility/2006" xmlns:p14="http://schemas.microsoft.com/office/powerpoint/2010/main">
-        <mc:Choice Requires="p14">
+      <mc:AlternateContent xmlns:mc="http://schemas.openxmlformats.org/markup-compatibility/2006">
+        <mc:Choice xmlns:p14="http://schemas.microsoft.com/office/powerpoint/2010/main" Requires="p14">
           <p:contentPart p14:bwMode="auto" r:id="rId37">
             <p14:nvContentPartPr>
               <p14:cNvPr id="54" name="Ink 53">
@@ -13856,12 +14120,12 @@
               <p14:nvPr/>
             </p14:nvContentPartPr>
             <p14:xfrm>
-              <a:off x="4889213" y="11409532"/>
+              <a:off x="4647480" y="13490339"/>
               <a:ext cx="2156400" cy="337680"/>
             </p14:xfrm>
           </p:contentPart>
         </mc:Choice>
-        <mc:Fallback xmlns="">
+        <mc:Fallback>
           <p:pic>
             <p:nvPicPr>
               <p:cNvPr id="54" name="Ink 53">
@@ -13875,14 +14139,14 @@
               <p:nvPr/>
             </p:nvPicPr>
             <p:blipFill>
-              <a:blip r:embed="rId15"/>
+              <a:blip r:embed="rId38"/>
               <a:stretch>
                 <a:fillRect/>
               </a:stretch>
             </p:blipFill>
             <p:spPr>
               <a:xfrm>
-                <a:off x="4871210" y="11391532"/>
+                <a:off x="4629477" y="13472339"/>
                 <a:ext cx="2192046" cy="373320"/>
               </a:xfrm>
               <a:prstGeom prst="rect">
@@ -13906,7 +14170,7 @@
         </p:nvSpPr>
         <p:spPr>
           <a:xfrm>
-            <a:off x="4987631" y="10470230"/>
+            <a:off x="4745898" y="12551037"/>
             <a:ext cx="1901841" cy="830997"/>
           </a:xfrm>
           <a:prstGeom prst="rect">
@@ -13930,12 +14194,50 @@
           </a:p>
         </p:txBody>
       </p:sp>
+      <p:sp>
+        <p:nvSpPr>
+          <p:cNvPr id="74" name="TextBox 73">
+            <a:extLst>
+              <a:ext uri="{FF2B5EF4-FFF2-40B4-BE49-F238E27FC236}">
+                <a16:creationId xmlns:a16="http://schemas.microsoft.com/office/drawing/2014/main" id="{74C2F96B-1328-176E-93F4-FFC406BD5A9E}"/>
+              </a:ext>
+            </a:extLst>
+          </p:cNvPr>
+          <p:cNvSpPr txBox="1"/>
+          <p:nvPr/>
+        </p:nvSpPr>
+        <p:spPr>
+          <a:xfrm>
+            <a:off x="2880097" y="9677205"/>
+            <a:ext cx="2929951" cy="1938992"/>
+          </a:xfrm>
+          <a:prstGeom prst="rect">
+            <a:avLst/>
+          </a:prstGeom>
+          <a:noFill/>
+        </p:spPr>
+        <p:txBody>
+          <a:bodyPr wrap="square" rtlCol="0">
+            <a:spAutoFit/>
+          </a:bodyPr>
+          <a:lstStyle/>
+          <a:p>
+            <a:pPr algn="r"/>
+            <a:r>
+              <a:rPr lang="en-US" sz="2400" dirty="0">
+                <a:latin typeface="Times" pitchFamily="2" charset="0"/>
+              </a:rPr>
+              <a:t>If an unobserved variable leads to selective attrition, even an experimental estimate can be biased</a:t>
+            </a:r>
+          </a:p>
+        </p:txBody>
+      </p:sp>
       <p:grpSp>
         <p:nvGrpSpPr>
-          <p:cNvPr id="55" name="Group 54">
+          <p:cNvPr id="36" name="Group 35">
             <a:extLst>
               <a:ext uri="{FF2B5EF4-FFF2-40B4-BE49-F238E27FC236}">
-                <a16:creationId xmlns:a16="http://schemas.microsoft.com/office/drawing/2014/main" id="{C9E66D15-0434-B8B6-5273-20A2E369EFDB}"/>
+                <a16:creationId xmlns:a16="http://schemas.microsoft.com/office/drawing/2014/main" id="{ED11E790-973C-5821-603B-FB2929F5F821}"/>
               </a:ext>
             </a:extLst>
           </p:cNvPr>
@@ -13943,21 +14245,21 @@
           <p:nvPr/>
         </p:nvGrpSpPr>
         <p:grpSpPr>
-          <a:xfrm rot="16200000">
-            <a:off x="6837705" y="12279486"/>
-            <a:ext cx="799560" cy="801360"/>
-            <a:chOff x="7949400" y="13623840"/>
-            <a:chExt cx="799560" cy="801360"/>
+          <a:xfrm>
+            <a:off x="7708320" y="11099040"/>
+            <a:ext cx="360" cy="231120"/>
+            <a:chOff x="7708320" y="11099040"/>
+            <a:chExt cx="360" cy="231120"/>
           </a:xfrm>
         </p:grpSpPr>
-        <mc:AlternateContent xmlns:mc="http://schemas.openxmlformats.org/markup-compatibility/2006" xmlns:p14="http://schemas.microsoft.com/office/powerpoint/2010/main">
-          <mc:Choice Requires="p14">
-            <p:contentPart p14:bwMode="auto" r:id="rId38">
+        <mc:AlternateContent xmlns:mc="http://schemas.openxmlformats.org/markup-compatibility/2006">
+          <mc:Choice xmlns:p14="http://schemas.microsoft.com/office/powerpoint/2010/main" Requires="p14">
+            <p:contentPart p14:bwMode="auto" r:id="rId39">
               <p14:nvContentPartPr>
-                <p14:cNvPr id="71" name="Ink 70">
+                <p14:cNvPr id="29" name="Ink 28">
                   <a:extLst>
                     <a:ext uri="{FF2B5EF4-FFF2-40B4-BE49-F238E27FC236}">
-                      <a16:creationId xmlns:a16="http://schemas.microsoft.com/office/drawing/2014/main" id="{C7490D63-B339-5EB0-D807-DC2A6C99807F}"/>
+                      <a16:creationId xmlns:a16="http://schemas.microsoft.com/office/drawing/2014/main" id="{7AFF22A3-78F5-DD3F-7122-FD3CAF3CFFFE}"/>
                     </a:ext>
                   </a:extLst>
                 </p14:cNvPr>
@@ -13965,18 +14267,18 @@
                 <p14:nvPr/>
               </p14:nvContentPartPr>
               <p14:xfrm>
-                <a:off x="7949400" y="13623840"/>
-                <a:ext cx="799560" cy="776160"/>
+                <a:off x="7708320" y="11099040"/>
+                <a:ext cx="360" cy="66600"/>
               </p14:xfrm>
             </p:contentPart>
           </mc:Choice>
-          <mc:Fallback xmlns="">
+          <mc:Fallback>
             <p:pic>
               <p:nvPicPr>
-                <p:cNvPr id="77" name="Ink 76">
+                <p:cNvPr id="29" name="Ink 28">
                   <a:extLst>
                     <a:ext uri="{FF2B5EF4-FFF2-40B4-BE49-F238E27FC236}">
-                      <a16:creationId xmlns:a16="http://schemas.microsoft.com/office/drawing/2014/main" id="{E7B01F4F-223A-E2A8-FF6F-0669387A82F2}"/>
+                      <a16:creationId xmlns:a16="http://schemas.microsoft.com/office/drawing/2014/main" id="{7AFF22A3-78F5-DD3F-7122-FD3CAF3CFFFE}"/>
                     </a:ext>
                   </a:extLst>
                 </p:cNvPr>
@@ -13991,8 +14293,8 @@
               </p:blipFill>
               <p:spPr>
                 <a:xfrm>
-                  <a:off x="7931760" y="13605840"/>
-                  <a:ext cx="835200" cy="811800"/>
+                  <a:off x="7690680" y="11081400"/>
+                  <a:ext cx="36000" cy="102240"/>
                 </a:xfrm>
                 <a:prstGeom prst="rect">
                   <a:avLst/>
@@ -14001,14 +14303,14 @@
             </p:pic>
           </mc:Fallback>
         </mc:AlternateContent>
-        <mc:AlternateContent xmlns:mc="http://schemas.openxmlformats.org/markup-compatibility/2006" xmlns:p14="http://schemas.microsoft.com/office/powerpoint/2010/main">
-          <mc:Choice Requires="p14">
+        <mc:AlternateContent xmlns:mc="http://schemas.openxmlformats.org/markup-compatibility/2006">
+          <mc:Choice xmlns:p14="http://schemas.microsoft.com/office/powerpoint/2010/main" Requires="p14">
             <p:contentPart p14:bwMode="auto" r:id="rId41">
               <p14:nvContentPartPr>
-                <p14:cNvPr id="72" name="Ink 71">
+                <p14:cNvPr id="30" name="Ink 29">
                   <a:extLst>
                     <a:ext uri="{FF2B5EF4-FFF2-40B4-BE49-F238E27FC236}">
-                      <a16:creationId xmlns:a16="http://schemas.microsoft.com/office/drawing/2014/main" id="{C909C18B-9861-6E1D-3A1F-67E702DD7747}"/>
+                      <a16:creationId xmlns:a16="http://schemas.microsoft.com/office/drawing/2014/main" id="{8278D974-FADC-2E0A-C66C-7FEC883EAF1E}"/>
                     </a:ext>
                   </a:extLst>
                 </p14:cNvPr>
@@ -14016,18 +14318,18 @@
                 <p14:nvPr/>
               </p14:nvContentPartPr>
               <p14:xfrm>
-                <a:off x="8313720" y="14419800"/>
-                <a:ext cx="403200" cy="5400"/>
+                <a:off x="7708320" y="11262480"/>
+                <a:ext cx="360" cy="67680"/>
               </p14:xfrm>
             </p:contentPart>
           </mc:Choice>
-          <mc:Fallback xmlns="">
+          <mc:Fallback>
             <p:pic>
               <p:nvPicPr>
-                <p:cNvPr id="78" name="Ink 77">
+                <p:cNvPr id="30" name="Ink 29">
                   <a:extLst>
                     <a:ext uri="{FF2B5EF4-FFF2-40B4-BE49-F238E27FC236}">
-                      <a16:creationId xmlns:a16="http://schemas.microsoft.com/office/drawing/2014/main" id="{3495F0DE-8B34-B03B-F96C-E08642B73660}"/>
+                      <a16:creationId xmlns:a16="http://schemas.microsoft.com/office/drawing/2014/main" id="{8278D974-FADC-2E0A-C66C-7FEC883EAF1E}"/>
                     </a:ext>
                   </a:extLst>
                 </p:cNvPr>
@@ -14042,8 +14344,8 @@
               </p:blipFill>
               <p:spPr>
                 <a:xfrm>
-                  <a:off x="8295720" y="14402160"/>
-                  <a:ext cx="438840" cy="41040"/>
+                  <a:off x="7690680" y="11244840"/>
+                  <a:ext cx="36000" cy="103320"/>
                 </a:xfrm>
                 <a:prstGeom prst="rect">
                   <a:avLst/>
@@ -14053,44 +14355,507 @@
           </mc:Fallback>
         </mc:AlternateContent>
       </p:grpSp>
-      <p:sp>
-        <p:nvSpPr>
-          <p:cNvPr id="74" name="TextBox 73">
+      <mc:AlternateContent xmlns:mc="http://schemas.openxmlformats.org/markup-compatibility/2006">
+        <mc:Choice xmlns:p14="http://schemas.microsoft.com/office/powerpoint/2010/main" Requires="p14">
+          <p:contentPart p14:bwMode="auto" r:id="rId43">
+            <p14:nvContentPartPr>
+              <p14:cNvPr id="38" name="Ink 37">
+                <a:extLst>
+                  <a:ext uri="{FF2B5EF4-FFF2-40B4-BE49-F238E27FC236}">
+                    <a16:creationId xmlns:a16="http://schemas.microsoft.com/office/drawing/2014/main" id="{862184DF-DAED-A069-747D-D29A3CE12915}"/>
+                  </a:ext>
+                </a:extLst>
+              </p14:cNvPr>
+              <p14:cNvContentPartPr/>
+              <p14:nvPr/>
+            </p14:nvContentPartPr>
+            <p14:xfrm>
+              <a:off x="7724160" y="11441040"/>
+              <a:ext cx="360" cy="80280"/>
+            </p14:xfrm>
+          </p:contentPart>
+        </mc:Choice>
+        <mc:Fallback>
+          <p:pic>
+            <p:nvPicPr>
+              <p:cNvPr id="38" name="Ink 37">
+                <a:extLst>
+                  <a:ext uri="{FF2B5EF4-FFF2-40B4-BE49-F238E27FC236}">
+                    <a16:creationId xmlns:a16="http://schemas.microsoft.com/office/drawing/2014/main" id="{862184DF-DAED-A069-747D-D29A3CE12915}"/>
+                  </a:ext>
+                </a:extLst>
+              </p:cNvPr>
+              <p:cNvPicPr/>
+              <p:nvPr/>
+            </p:nvPicPr>
+            <p:blipFill>
+              <a:blip r:embed="rId44"/>
+              <a:stretch>
+                <a:fillRect/>
+              </a:stretch>
+            </p:blipFill>
+            <p:spPr>
+              <a:xfrm>
+                <a:off x="7706160" y="11423400"/>
+                <a:ext cx="36000" cy="115920"/>
+              </a:xfrm>
+              <a:prstGeom prst="rect">
+                <a:avLst/>
+              </a:prstGeom>
+            </p:spPr>
+          </p:pic>
+        </mc:Fallback>
+      </mc:AlternateContent>
+      <mc:AlternateContent xmlns:mc="http://schemas.openxmlformats.org/markup-compatibility/2006">
+        <mc:Choice xmlns:p14="http://schemas.microsoft.com/office/powerpoint/2010/main" Requires="p14">
+          <p:contentPart p14:bwMode="auto" r:id="rId45">
+            <p14:nvContentPartPr>
+              <p14:cNvPr id="39" name="Ink 38">
+                <a:extLst>
+                  <a:ext uri="{FF2B5EF4-FFF2-40B4-BE49-F238E27FC236}">
+                    <a16:creationId xmlns:a16="http://schemas.microsoft.com/office/drawing/2014/main" id="{33F1DD9C-CDE6-4331-6B07-A2CF6AE41B27}"/>
+                  </a:ext>
+                </a:extLst>
+              </p14:cNvPr>
+              <p14:cNvContentPartPr/>
+              <p14:nvPr/>
+            </p14:nvContentPartPr>
+            <p14:xfrm>
+              <a:off x="7726680" y="11650200"/>
+              <a:ext cx="360" cy="102600"/>
+            </p14:xfrm>
+          </p:contentPart>
+        </mc:Choice>
+        <mc:Fallback>
+          <p:pic>
+            <p:nvPicPr>
+              <p:cNvPr id="39" name="Ink 38">
+                <a:extLst>
+                  <a:ext uri="{FF2B5EF4-FFF2-40B4-BE49-F238E27FC236}">
+                    <a16:creationId xmlns:a16="http://schemas.microsoft.com/office/drawing/2014/main" id="{33F1DD9C-CDE6-4331-6B07-A2CF6AE41B27}"/>
+                  </a:ext>
+                </a:extLst>
+              </p:cNvPr>
+              <p:cNvPicPr/>
+              <p:nvPr/>
+            </p:nvPicPr>
+            <p:blipFill>
+              <a:blip r:embed="rId46"/>
+              <a:stretch>
+                <a:fillRect/>
+              </a:stretch>
+            </p:blipFill>
+            <p:spPr>
+              <a:xfrm>
+                <a:off x="7709040" y="11632560"/>
+                <a:ext cx="36000" cy="138240"/>
+              </a:xfrm>
+              <a:prstGeom prst="rect">
+                <a:avLst/>
+              </a:prstGeom>
+            </p:spPr>
+          </p:pic>
+        </mc:Fallback>
+      </mc:AlternateContent>
+      <mc:AlternateContent xmlns:mc="http://schemas.openxmlformats.org/markup-compatibility/2006">
+        <mc:Choice xmlns:p14="http://schemas.microsoft.com/office/powerpoint/2010/main" Requires="p14">
+          <p:contentPart p14:bwMode="auto" r:id="rId47">
+            <p14:nvContentPartPr>
+              <p14:cNvPr id="51" name="Ink 50">
+                <a:extLst>
+                  <a:ext uri="{FF2B5EF4-FFF2-40B4-BE49-F238E27FC236}">
+                    <a16:creationId xmlns:a16="http://schemas.microsoft.com/office/drawing/2014/main" id="{2DA7D587-70AE-9FAF-AD98-F0D967B9CA0E}"/>
+                  </a:ext>
+                </a:extLst>
+              </p14:cNvPr>
+              <p14:cNvContentPartPr/>
+              <p14:nvPr/>
+            </p14:nvContentPartPr>
+            <p14:xfrm>
+              <a:off x="7726680" y="11843520"/>
+              <a:ext cx="360" cy="142200"/>
+            </p14:xfrm>
+          </p:contentPart>
+        </mc:Choice>
+        <mc:Fallback>
+          <p:pic>
+            <p:nvPicPr>
+              <p:cNvPr id="51" name="Ink 50">
+                <a:extLst>
+                  <a:ext uri="{FF2B5EF4-FFF2-40B4-BE49-F238E27FC236}">
+                    <a16:creationId xmlns:a16="http://schemas.microsoft.com/office/drawing/2014/main" id="{2DA7D587-70AE-9FAF-AD98-F0D967B9CA0E}"/>
+                  </a:ext>
+                </a:extLst>
+              </p:cNvPr>
+              <p:cNvPicPr/>
+              <p:nvPr/>
+            </p:nvPicPr>
+            <p:blipFill>
+              <a:blip r:embed="rId48"/>
+              <a:stretch>
+                <a:fillRect/>
+              </a:stretch>
+            </p:blipFill>
+            <p:spPr>
+              <a:xfrm>
+                <a:off x="7709040" y="11825520"/>
+                <a:ext cx="36000" cy="177840"/>
+              </a:xfrm>
+              <a:prstGeom prst="rect">
+                <a:avLst/>
+              </a:prstGeom>
+            </p:spPr>
+          </p:pic>
+        </mc:Fallback>
+      </mc:AlternateContent>
+      <p:grpSp>
+        <p:nvGrpSpPr>
+          <p:cNvPr id="64" name="Group 63">
             <a:extLst>
               <a:ext uri="{FF2B5EF4-FFF2-40B4-BE49-F238E27FC236}">
-                <a16:creationId xmlns:a16="http://schemas.microsoft.com/office/drawing/2014/main" id="{74C2F96B-1328-176E-93F4-FFC406BD5A9E}"/>
+                <a16:creationId xmlns:a16="http://schemas.microsoft.com/office/drawing/2014/main" id="{8819238C-28B6-6997-87D7-B5BB5C4E4557}"/>
               </a:ext>
             </a:extLst>
           </p:cNvPr>
-          <p:cNvSpPr txBox="1"/>
+          <p:cNvGrpSpPr/>
           <p:nvPr/>
-        </p:nvSpPr>
-        <p:spPr>
+        </p:nvGrpSpPr>
+        <p:grpSpPr>
           <a:xfrm>
-            <a:off x="7045613" y="13613121"/>
-            <a:ext cx="1901841" cy="1569660"/>
+            <a:off x="7731720" y="12076080"/>
+            <a:ext cx="360" cy="293400"/>
+            <a:chOff x="7731720" y="12076080"/>
+            <a:chExt cx="360" cy="293400"/>
           </a:xfrm>
-          <a:prstGeom prst="rect">
-            <a:avLst/>
-          </a:prstGeom>
-          <a:noFill/>
-        </p:spPr>
-        <p:txBody>
-          <a:bodyPr wrap="square" rtlCol="0">
-            <a:spAutoFit/>
-          </a:bodyPr>
-          <a:lstStyle/>
-          <a:p>
-            <a:pPr algn="ctr"/>
-            <a:r>
-              <a:rPr lang="en-US" sz="2400" dirty="0">
-                <a:latin typeface="Times" pitchFamily="2" charset="0"/>
-              </a:rPr>
-              <a:t>Confounding through selective attrition</a:t>
-            </a:r>
-          </a:p>
-        </p:txBody>
-      </p:sp>
+        </p:grpSpPr>
+        <mc:AlternateContent xmlns:mc="http://schemas.openxmlformats.org/markup-compatibility/2006">
+          <mc:Choice xmlns:p14="http://schemas.microsoft.com/office/powerpoint/2010/main" Requires="p14">
+            <p:contentPart p14:bwMode="auto" r:id="rId49">
+              <p14:nvContentPartPr>
+                <p14:cNvPr id="58" name="Ink 57">
+                  <a:extLst>
+                    <a:ext uri="{FF2B5EF4-FFF2-40B4-BE49-F238E27FC236}">
+                      <a16:creationId xmlns:a16="http://schemas.microsoft.com/office/drawing/2014/main" id="{5E6E3920-7B70-125F-1ECC-EB4CD76E0856}"/>
+                    </a:ext>
+                  </a:extLst>
+                </p14:cNvPr>
+                <p14:cNvContentPartPr/>
+                <p14:nvPr/>
+              </p14:nvContentPartPr>
+              <p14:xfrm>
+                <a:off x="7731720" y="12076080"/>
+                <a:ext cx="360" cy="110880"/>
+              </p14:xfrm>
+            </p:contentPart>
+          </mc:Choice>
+          <mc:Fallback>
+            <p:pic>
+              <p:nvPicPr>
+                <p:cNvPr id="58" name="Ink 57">
+                  <a:extLst>
+                    <a:ext uri="{FF2B5EF4-FFF2-40B4-BE49-F238E27FC236}">
+                      <a16:creationId xmlns:a16="http://schemas.microsoft.com/office/drawing/2014/main" id="{5E6E3920-7B70-125F-1ECC-EB4CD76E0856}"/>
+                    </a:ext>
+                  </a:extLst>
+                </p:cNvPr>
+                <p:cNvPicPr/>
+                <p:nvPr/>
+              </p:nvPicPr>
+              <p:blipFill>
+                <a:blip r:embed="rId50"/>
+                <a:stretch>
+                  <a:fillRect/>
+                </a:stretch>
+              </p:blipFill>
+              <p:spPr>
+                <a:xfrm>
+                  <a:off x="7714080" y="12058080"/>
+                  <a:ext cx="36000" cy="146520"/>
+                </a:xfrm>
+                <a:prstGeom prst="rect">
+                  <a:avLst/>
+                </a:prstGeom>
+              </p:spPr>
+            </p:pic>
+          </mc:Fallback>
+        </mc:AlternateContent>
+        <mc:AlternateContent xmlns:mc="http://schemas.openxmlformats.org/markup-compatibility/2006">
+          <mc:Choice xmlns:p14="http://schemas.microsoft.com/office/powerpoint/2010/main" Requires="p14">
+            <p:contentPart p14:bwMode="auto" r:id="rId51">
+              <p14:nvContentPartPr>
+                <p14:cNvPr id="61" name="Ink 60">
+                  <a:extLst>
+                    <a:ext uri="{FF2B5EF4-FFF2-40B4-BE49-F238E27FC236}">
+                      <a16:creationId xmlns:a16="http://schemas.microsoft.com/office/drawing/2014/main" id="{1EE9F140-876B-CB99-AB5C-F4DB2E357456}"/>
+                    </a:ext>
+                  </a:extLst>
+                </p14:cNvPr>
+                <p14:cNvContentPartPr/>
+                <p14:nvPr/>
+              </p14:nvContentPartPr>
+              <p14:xfrm>
+                <a:off x="7731720" y="12265080"/>
+                <a:ext cx="360" cy="104400"/>
+              </p14:xfrm>
+            </p:contentPart>
+          </mc:Choice>
+          <mc:Fallback>
+            <p:pic>
+              <p:nvPicPr>
+                <p:cNvPr id="61" name="Ink 60">
+                  <a:extLst>
+                    <a:ext uri="{FF2B5EF4-FFF2-40B4-BE49-F238E27FC236}">
+                      <a16:creationId xmlns:a16="http://schemas.microsoft.com/office/drawing/2014/main" id="{1EE9F140-876B-CB99-AB5C-F4DB2E357456}"/>
+                    </a:ext>
+                  </a:extLst>
+                </p:cNvPr>
+                <p:cNvPicPr/>
+                <p:nvPr/>
+              </p:nvPicPr>
+              <p:blipFill>
+                <a:blip r:embed="rId52"/>
+                <a:stretch>
+                  <a:fillRect/>
+                </a:stretch>
+              </p:blipFill>
+              <p:spPr>
+                <a:xfrm>
+                  <a:off x="7714080" y="12247080"/>
+                  <a:ext cx="36000" cy="140040"/>
+                </a:xfrm>
+                <a:prstGeom prst="rect">
+                  <a:avLst/>
+                </a:prstGeom>
+              </p:spPr>
+            </p:pic>
+          </mc:Fallback>
+        </mc:AlternateContent>
+      </p:grpSp>
+      <p:grpSp>
+        <p:nvGrpSpPr>
+          <p:cNvPr id="76" name="Group 75">
+            <a:extLst>
+              <a:ext uri="{FF2B5EF4-FFF2-40B4-BE49-F238E27FC236}">
+                <a16:creationId xmlns:a16="http://schemas.microsoft.com/office/drawing/2014/main" id="{1D0E2D1B-4FC2-3E7D-65BE-41D223238639}"/>
+              </a:ext>
+            </a:extLst>
+          </p:cNvPr>
+          <p:cNvGrpSpPr/>
+          <p:nvPr/>
+        </p:nvGrpSpPr>
+        <p:grpSpPr>
+          <a:xfrm>
+            <a:off x="7450200" y="12496200"/>
+            <a:ext cx="675360" cy="398880"/>
+            <a:chOff x="7450200" y="12496200"/>
+            <a:chExt cx="675360" cy="398880"/>
+          </a:xfrm>
+        </p:grpSpPr>
+        <mc:AlternateContent xmlns:mc="http://schemas.openxmlformats.org/markup-compatibility/2006">
+          <mc:Choice xmlns:p14="http://schemas.microsoft.com/office/powerpoint/2010/main" Requires="p14">
+            <p:contentPart p14:bwMode="auto" r:id="rId53">
+              <p14:nvContentPartPr>
+                <p14:cNvPr id="65" name="Ink 64">
+                  <a:extLst>
+                    <a:ext uri="{FF2B5EF4-FFF2-40B4-BE49-F238E27FC236}">
+                      <a16:creationId xmlns:a16="http://schemas.microsoft.com/office/drawing/2014/main" id="{8C96F35B-EC40-97FB-499C-14CE7D773696}"/>
+                    </a:ext>
+                  </a:extLst>
+                </p14:cNvPr>
+                <p14:cNvContentPartPr/>
+                <p14:nvPr/>
+              </p14:nvContentPartPr>
+              <p14:xfrm>
+                <a:off x="7734240" y="12496200"/>
+                <a:ext cx="360" cy="84960"/>
+              </p14:xfrm>
+            </p:contentPart>
+          </mc:Choice>
+          <mc:Fallback>
+            <p:pic>
+              <p:nvPicPr>
+                <p:cNvPr id="65" name="Ink 64">
+                  <a:extLst>
+                    <a:ext uri="{FF2B5EF4-FFF2-40B4-BE49-F238E27FC236}">
+                      <a16:creationId xmlns:a16="http://schemas.microsoft.com/office/drawing/2014/main" id="{8C96F35B-EC40-97FB-499C-14CE7D773696}"/>
+                    </a:ext>
+                  </a:extLst>
+                </p:cNvPr>
+                <p:cNvPicPr/>
+                <p:nvPr/>
+              </p:nvPicPr>
+              <p:blipFill>
+                <a:blip r:embed="rId54"/>
+                <a:stretch>
+                  <a:fillRect/>
+                </a:stretch>
+              </p:blipFill>
+              <p:spPr>
+                <a:xfrm>
+                  <a:off x="7716240" y="12478200"/>
+                  <a:ext cx="36000" cy="120600"/>
+                </a:xfrm>
+                <a:prstGeom prst="rect">
+                  <a:avLst/>
+                </a:prstGeom>
+              </p:spPr>
+            </p:pic>
+          </mc:Fallback>
+        </mc:AlternateContent>
+        <mc:AlternateContent xmlns:mc="http://schemas.openxmlformats.org/markup-compatibility/2006">
+          <mc:Choice xmlns:p14="http://schemas.microsoft.com/office/powerpoint/2010/main" Requires="p14">
+            <p:contentPart p14:bwMode="auto" r:id="rId55">
+              <p14:nvContentPartPr>
+                <p14:cNvPr id="66" name="Ink 65">
+                  <a:extLst>
+                    <a:ext uri="{FF2B5EF4-FFF2-40B4-BE49-F238E27FC236}">
+                      <a16:creationId xmlns:a16="http://schemas.microsoft.com/office/drawing/2014/main" id="{6185D022-2E67-09BE-C4B3-824FD439C5C7}"/>
+                    </a:ext>
+                  </a:extLst>
+                </p14:cNvPr>
+                <p14:cNvContentPartPr/>
+                <p14:nvPr/>
+              </p14:nvContentPartPr>
+              <p14:xfrm>
+                <a:off x="7734240" y="12674400"/>
+                <a:ext cx="6120" cy="171000"/>
+              </p14:xfrm>
+            </p:contentPart>
+          </mc:Choice>
+          <mc:Fallback>
+            <p:pic>
+              <p:nvPicPr>
+                <p:cNvPr id="66" name="Ink 65">
+                  <a:extLst>
+                    <a:ext uri="{FF2B5EF4-FFF2-40B4-BE49-F238E27FC236}">
+                      <a16:creationId xmlns:a16="http://schemas.microsoft.com/office/drawing/2014/main" id="{6185D022-2E67-09BE-C4B3-824FD439C5C7}"/>
+                    </a:ext>
+                  </a:extLst>
+                </p:cNvPr>
+                <p:cNvPicPr/>
+                <p:nvPr/>
+              </p:nvPicPr>
+              <p:blipFill>
+                <a:blip r:embed="rId56"/>
+                <a:stretch>
+                  <a:fillRect/>
+                </a:stretch>
+              </p:blipFill>
+              <p:spPr>
+                <a:xfrm>
+                  <a:off x="7716240" y="12656760"/>
+                  <a:ext cx="41760" cy="206640"/>
+                </a:xfrm>
+                <a:prstGeom prst="rect">
+                  <a:avLst/>
+                </a:prstGeom>
+              </p:spPr>
+            </p:pic>
+          </mc:Fallback>
+        </mc:AlternateContent>
+        <mc:AlternateContent xmlns:mc="http://schemas.openxmlformats.org/markup-compatibility/2006">
+          <mc:Choice xmlns:p14="http://schemas.microsoft.com/office/powerpoint/2010/main" Requires="p14">
+            <p:contentPart p14:bwMode="auto" r:id="rId57">
+              <p14:nvContentPartPr>
+                <p14:cNvPr id="68" name="Ink 67">
+                  <a:extLst>
+                    <a:ext uri="{FF2B5EF4-FFF2-40B4-BE49-F238E27FC236}">
+                      <a16:creationId xmlns:a16="http://schemas.microsoft.com/office/drawing/2014/main" id="{DF396832-DBAC-3222-B365-8B19A435F168}"/>
+                    </a:ext>
+                  </a:extLst>
+                </p14:cNvPr>
+                <p14:cNvContentPartPr/>
+                <p14:nvPr/>
+              </p14:nvContentPartPr>
+              <p14:xfrm>
+                <a:off x="7450200" y="12621480"/>
+                <a:ext cx="270000" cy="273600"/>
+              </p14:xfrm>
+            </p:contentPart>
+          </mc:Choice>
+          <mc:Fallback>
+            <p:pic>
+              <p:nvPicPr>
+                <p:cNvPr id="68" name="Ink 67">
+                  <a:extLst>
+                    <a:ext uri="{FF2B5EF4-FFF2-40B4-BE49-F238E27FC236}">
+                      <a16:creationId xmlns:a16="http://schemas.microsoft.com/office/drawing/2014/main" id="{DF396832-DBAC-3222-B365-8B19A435F168}"/>
+                    </a:ext>
+                  </a:extLst>
+                </p:cNvPr>
+                <p:cNvPicPr/>
+                <p:nvPr/>
+              </p:nvPicPr>
+              <p:blipFill>
+                <a:blip r:embed="rId58"/>
+                <a:stretch>
+                  <a:fillRect/>
+                </a:stretch>
+              </p:blipFill>
+              <p:spPr>
+                <a:xfrm>
+                  <a:off x="7432200" y="12603480"/>
+                  <a:ext cx="305640" cy="309240"/>
+                </a:xfrm>
+                <a:prstGeom prst="rect">
+                  <a:avLst/>
+                </a:prstGeom>
+              </p:spPr>
+            </p:pic>
+          </mc:Fallback>
+        </mc:AlternateContent>
+        <mc:AlternateContent xmlns:mc="http://schemas.openxmlformats.org/markup-compatibility/2006">
+          <mc:Choice xmlns:p14="http://schemas.microsoft.com/office/powerpoint/2010/main" Requires="p14">
+            <p:contentPart p14:bwMode="auto" r:id="rId59">
+              <p14:nvContentPartPr>
+                <p14:cNvPr id="69" name="Ink 68">
+                  <a:extLst>
+                    <a:ext uri="{FF2B5EF4-FFF2-40B4-BE49-F238E27FC236}">
+                      <a16:creationId xmlns:a16="http://schemas.microsoft.com/office/drawing/2014/main" id="{C63304F9-33D7-5EDA-8F45-F70FB5080686}"/>
+                    </a:ext>
+                  </a:extLst>
+                </p14:cNvPr>
+                <p14:cNvContentPartPr/>
+                <p14:nvPr/>
+              </p14:nvContentPartPr>
+              <p14:xfrm>
+                <a:off x="7724880" y="12585840"/>
+                <a:ext cx="400680" cy="309240"/>
+              </p14:xfrm>
+            </p:contentPart>
+          </mc:Choice>
+          <mc:Fallback>
+            <p:pic>
+              <p:nvPicPr>
+                <p:cNvPr id="69" name="Ink 68">
+                  <a:extLst>
+                    <a:ext uri="{FF2B5EF4-FFF2-40B4-BE49-F238E27FC236}">
+                      <a16:creationId xmlns:a16="http://schemas.microsoft.com/office/drawing/2014/main" id="{C63304F9-33D7-5EDA-8F45-F70FB5080686}"/>
+                    </a:ext>
+                  </a:extLst>
+                </p:cNvPr>
+                <p:cNvPicPr/>
+                <p:nvPr/>
+              </p:nvPicPr>
+              <p:blipFill>
+                <a:blip r:embed="rId60"/>
+                <a:stretch>
+                  <a:fillRect/>
+                </a:stretch>
+              </p:blipFill>
+              <p:spPr>
+                <a:xfrm>
+                  <a:off x="7707240" y="12568200"/>
+                  <a:ext cx="436320" cy="344880"/>
+                </a:xfrm>
+                <a:prstGeom prst="rect">
+                  <a:avLst/>
+                </a:prstGeom>
+              </p:spPr>
+            </p:pic>
+          </mc:Fallback>
+        </mc:AlternateContent>
+      </p:grpSp>
     </p:spTree>
     <p:extLst>
       <p:ext uri="{BB962C8B-B14F-4D97-AF65-F5344CB8AC3E}">
